--- a/Diagramme/Klassen Objekte Referenzen.pptx
+++ b/Diagramme/Klassen Objekte Referenzen.pptx
@@ -110,6 +110,11 @@
       </a:defRPr>
     </a:lvl9pPr>
   </p:defaultTextStyle>
+  <p:extLst>
+    <p:ext uri="{EFAFB233-063F-42B5-8137-9DF3F51BA10A}">
+      <p15:sldGuideLst xmlns:p15="http://schemas.microsoft.com/office/powerpoint/2012/main"/>
+    </p:ext>
+  </p:extLst>
 </p:presentation>
 </file>
 
@@ -4222,10 +4227,18 @@
           <a:lstStyle/>
           <a:p>
             <a:r>
-              <a:rPr lang="de-DE" sz="1000" smtClean="0"/>
+              <a:rPr lang="de-DE" sz="1000" smtClean="0">
+                <a:solidFill>
+                  <a:srgbClr val="FF0000"/>
+                </a:solidFill>
+              </a:rPr>
               <a:t>77100</a:t>
             </a:r>
-            <a:endParaRPr lang="de-DE" sz="1000"/>
+            <a:endParaRPr lang="de-DE" sz="1000">
+              <a:solidFill>
+                <a:srgbClr val="FF0000"/>
+              </a:solidFill>
+            </a:endParaRPr>
           </a:p>
         </p:txBody>
       </p:sp>
@@ -4475,8 +4488,8 @@
         </p:nvSpPr>
         <p:spPr>
           <a:xfrm>
-            <a:off x="3313216" y="3823855"/>
-            <a:ext cx="5041445" cy="1200329"/>
+            <a:off x="2342244" y="3127764"/>
+            <a:ext cx="5957144" cy="1200329"/>
           </a:xfrm>
           <a:prstGeom prst="rect">
             <a:avLst/>
@@ -4503,8 +4516,13 @@
             </a:pPr>
             <a:r>
               <a:rPr lang="de-DE" smtClean="0"/>
-              <a:t>alle Attribute mit den passenden Nullwerten.</a:t>
-            </a:r>
+              <a:t>alle Attribute mit den passenden </a:t>
+            </a:r>
+            <a:r>
+              <a:rPr lang="de-DE" smtClean="0"/>
+              <a:t>Nullwerten initialisieren.</a:t>
+            </a:r>
+            <a:endParaRPr lang="de-DE" smtClean="0"/>
           </a:p>
           <a:p>
             <a:pPr marL="342900" indent="-342900">
@@ -5260,8 +5278,8 @@
         </p:nvSpPr>
         <p:spPr>
           <a:xfrm>
-            <a:off x="3313216" y="3823855"/>
-            <a:ext cx="5041445" cy="1200329"/>
+            <a:off x="2342244" y="3941622"/>
+            <a:ext cx="5957144" cy="1200329"/>
           </a:xfrm>
           <a:prstGeom prst="rect">
             <a:avLst/>
@@ -5288,8 +5306,13 @@
             </a:pPr>
             <a:r>
               <a:rPr lang="de-DE" smtClean="0"/>
-              <a:t>alle Attribute mit den passenden Nullwerten.</a:t>
-            </a:r>
+              <a:t>alle Attribute mit den passenden </a:t>
+            </a:r>
+            <a:r>
+              <a:rPr lang="de-DE" smtClean="0"/>
+              <a:t>Nullwerten initialisieren.</a:t>
+            </a:r>
+            <a:endParaRPr lang="de-DE" smtClean="0"/>
           </a:p>
           <a:p>
             <a:pPr marL="342900" indent="-342900">
@@ -5401,10 +5424,18 @@
           <a:lstStyle/>
           <a:p>
             <a:r>
-              <a:rPr lang="de-DE" sz="1000" smtClean="0"/>
+              <a:rPr lang="de-DE" sz="1000" smtClean="0">
+                <a:solidFill>
+                  <a:srgbClr val="FF0000"/>
+                </a:solidFill>
+              </a:rPr>
               <a:t>56300</a:t>
             </a:r>
-            <a:endParaRPr lang="de-DE" sz="1000"/>
+            <a:endParaRPr lang="de-DE" sz="1000">
+              <a:solidFill>
+                <a:srgbClr val="FF0000"/>
+              </a:solidFill>
+            </a:endParaRPr>
           </a:p>
         </p:txBody>
       </p:sp>
@@ -5973,10 +6004,18 @@
           <a:p>
             <a:pPr algn="ctr"/>
             <a:r>
-              <a:rPr lang="de-DE" smtClean="0"/>
+              <a:rPr lang="de-DE" smtClean="0">
+                <a:solidFill>
+                  <a:srgbClr val="FF0000"/>
+                </a:solidFill>
+              </a:rPr>
               <a:t>56300</a:t>
             </a:r>
-            <a:endParaRPr lang="de-DE"/>
+            <a:endParaRPr lang="de-DE">
+              <a:solidFill>
+                <a:srgbClr val="FF0000"/>
+              </a:solidFill>
+            </a:endParaRPr>
           </a:p>
         </p:txBody>
       </p:sp>
@@ -6387,22 +6426,19 @@
         <p:spPr>
           <a:xfrm>
             <a:off x="3313216" y="3823855"/>
-            <a:ext cx="4395947" cy="646331"/>
-          </a:xfrm>
-          <a:prstGeom prst="rect">
-            <a:avLst/>
-          </a:prstGeom>
-          <a:noFill/>
-        </p:spPr>
-        <p:txBody>
-          <a:bodyPr wrap="none" rtlCol="0">
-            <a:spAutoFit/>
-          </a:bodyPr>
-          <a:lstStyle/>
-          <a:p>
-            <a:pPr marL="342900" indent="-342900">
-              <a:buAutoNum type="arabicPeriod"/>
-            </a:pPr>
+            <a:ext cx="4049698" cy="646331"/>
+          </a:xfrm>
+          <a:prstGeom prst="rect">
+            <a:avLst/>
+          </a:prstGeom>
+          <a:noFill/>
+        </p:spPr>
+        <p:txBody>
+          <a:bodyPr wrap="none" rtlCol="0">
+            <a:spAutoFit/>
+          </a:bodyPr>
+          <a:lstStyle/>
+          <a:p>
             <a:r>
               <a:rPr lang="de-DE" smtClean="0"/>
               <a:t>Die komprimierte Anfangsadresse wird in</a:t>
@@ -6413,7 +6449,6 @@
               <a:rPr lang="de-DE" smtClean="0"/>
               <a:t>der lokalen Variable a1 kopiert</a:t>
             </a:r>
-            <a:endParaRPr lang="de-DE" smtClean="0"/>
           </a:p>
         </p:txBody>
       </p:sp>

--- a/Diagramme/Klassen Objekte Referenzen.pptx
+++ b/Diagramme/Klassen Objekte Referenzen.pptx
@@ -12,6 +12,11 @@
     <p:sldId id="260" r:id="rId6"/>
     <p:sldId id="261" r:id="rId7"/>
     <p:sldId id="262" r:id="rId8"/>
+    <p:sldId id="263" r:id="rId9"/>
+    <p:sldId id="264" r:id="rId10"/>
+    <p:sldId id="265" r:id="rId11"/>
+    <p:sldId id="266" r:id="rId12"/>
+    <p:sldId id="267" r:id="rId13"/>
   </p:sldIdLst>
   <p:sldSz cx="12192000" cy="6858000"/>
   <p:notesSz cx="6858000" cy="9144000"/>
@@ -249,7 +254,7 @@
           <a:p>
             <a:fld id="{CBB2B70B-111C-4EC1-8D26-26EE96D9C65B}" type="datetimeFigureOut">
               <a:rPr lang="de-DE" smtClean="0"/>
-              <a:t>23.09.2019</a:t>
+              <a:t>24.09.2019</a:t>
             </a:fld>
             <a:endParaRPr lang="de-DE"/>
           </a:p>
@@ -419,7 +424,7 @@
           <a:p>
             <a:fld id="{CBB2B70B-111C-4EC1-8D26-26EE96D9C65B}" type="datetimeFigureOut">
               <a:rPr lang="de-DE" smtClean="0"/>
-              <a:t>23.09.2019</a:t>
+              <a:t>24.09.2019</a:t>
             </a:fld>
             <a:endParaRPr lang="de-DE"/>
           </a:p>
@@ -599,7 +604,7 @@
           <a:p>
             <a:fld id="{CBB2B70B-111C-4EC1-8D26-26EE96D9C65B}" type="datetimeFigureOut">
               <a:rPr lang="de-DE" smtClean="0"/>
-              <a:t>23.09.2019</a:t>
+              <a:t>24.09.2019</a:t>
             </a:fld>
             <a:endParaRPr lang="de-DE"/>
           </a:p>
@@ -769,7 +774,7 @@
           <a:p>
             <a:fld id="{CBB2B70B-111C-4EC1-8D26-26EE96D9C65B}" type="datetimeFigureOut">
               <a:rPr lang="de-DE" smtClean="0"/>
-              <a:t>23.09.2019</a:t>
+              <a:t>24.09.2019</a:t>
             </a:fld>
             <a:endParaRPr lang="de-DE"/>
           </a:p>
@@ -1015,7 +1020,7 @@
           <a:p>
             <a:fld id="{CBB2B70B-111C-4EC1-8D26-26EE96D9C65B}" type="datetimeFigureOut">
               <a:rPr lang="de-DE" smtClean="0"/>
-              <a:t>23.09.2019</a:t>
+              <a:t>24.09.2019</a:t>
             </a:fld>
             <a:endParaRPr lang="de-DE"/>
           </a:p>
@@ -1247,7 +1252,7 @@
           <a:p>
             <a:fld id="{CBB2B70B-111C-4EC1-8D26-26EE96D9C65B}" type="datetimeFigureOut">
               <a:rPr lang="de-DE" smtClean="0"/>
-              <a:t>23.09.2019</a:t>
+              <a:t>24.09.2019</a:t>
             </a:fld>
             <a:endParaRPr lang="de-DE"/>
           </a:p>
@@ -1614,7 +1619,7 @@
           <a:p>
             <a:fld id="{CBB2B70B-111C-4EC1-8D26-26EE96D9C65B}" type="datetimeFigureOut">
               <a:rPr lang="de-DE" smtClean="0"/>
-              <a:t>23.09.2019</a:t>
+              <a:t>24.09.2019</a:t>
             </a:fld>
             <a:endParaRPr lang="de-DE"/>
           </a:p>
@@ -1732,7 +1737,7 @@
           <a:p>
             <a:fld id="{CBB2B70B-111C-4EC1-8D26-26EE96D9C65B}" type="datetimeFigureOut">
               <a:rPr lang="de-DE" smtClean="0"/>
-              <a:t>23.09.2019</a:t>
+              <a:t>24.09.2019</a:t>
             </a:fld>
             <a:endParaRPr lang="de-DE"/>
           </a:p>
@@ -1827,7 +1832,7 @@
           <a:p>
             <a:fld id="{CBB2B70B-111C-4EC1-8D26-26EE96D9C65B}" type="datetimeFigureOut">
               <a:rPr lang="de-DE" smtClean="0"/>
-              <a:t>23.09.2019</a:t>
+              <a:t>24.09.2019</a:t>
             </a:fld>
             <a:endParaRPr lang="de-DE"/>
           </a:p>
@@ -2104,7 +2109,7 @@
           <a:p>
             <a:fld id="{CBB2B70B-111C-4EC1-8D26-26EE96D9C65B}" type="datetimeFigureOut">
               <a:rPr lang="de-DE" smtClean="0"/>
-              <a:t>23.09.2019</a:t>
+              <a:t>24.09.2019</a:t>
             </a:fld>
             <a:endParaRPr lang="de-DE"/>
           </a:p>
@@ -2357,7 +2362,7 @@
           <a:p>
             <a:fld id="{CBB2B70B-111C-4EC1-8D26-26EE96D9C65B}" type="datetimeFigureOut">
               <a:rPr lang="de-DE" smtClean="0"/>
-              <a:t>23.09.2019</a:t>
+              <a:t>24.09.2019</a:t>
             </a:fld>
             <a:endParaRPr lang="de-DE"/>
           </a:p>
@@ -2570,7 +2575,7 @@
           <a:p>
             <a:fld id="{CBB2B70B-111C-4EC1-8D26-26EE96D9C65B}" type="datetimeFigureOut">
               <a:rPr lang="de-DE" smtClean="0"/>
-              <a:t>23.09.2019</a:t>
+              <a:t>24.09.2019</a:t>
             </a:fld>
             <a:endParaRPr lang="de-DE"/>
           </a:p>
@@ -3321,6 +3326,2308 @@
 </p:sld>
 </file>
 
+<file path=ppt/slides/slide10.xml><?xml version="1.0" encoding="utf-8"?>
+<p:sld xmlns:a="http://schemas.openxmlformats.org/drawingml/2006/main" xmlns:r="http://schemas.openxmlformats.org/officeDocument/2006/relationships" xmlns:p="http://schemas.openxmlformats.org/presentationml/2006/main">
+  <p:cSld>
+    <p:spTree>
+      <p:nvGrpSpPr>
+        <p:cNvPr id="1" name=""/>
+        <p:cNvGrpSpPr/>
+        <p:nvPr/>
+      </p:nvGrpSpPr>
+      <p:grpSpPr>
+        <a:xfrm>
+          <a:off x="0" y="0"/>
+          <a:ext cx="0" cy="0"/>
+          <a:chOff x="0" y="0"/>
+          <a:chExt cx="0" cy="0"/>
+        </a:xfrm>
+      </p:grpSpPr>
+      <p:sp>
+        <p:nvSpPr>
+          <p:cNvPr id="4" name="Textfeld 3"/>
+          <p:cNvSpPr txBox="1"/>
+          <p:nvPr/>
+        </p:nvSpPr>
+        <p:spPr>
+          <a:xfrm>
+            <a:off x="7588333" y="273132"/>
+            <a:ext cx="4291752" cy="4801314"/>
+          </a:xfrm>
+          <a:prstGeom prst="rect">
+            <a:avLst/>
+          </a:prstGeom>
+          <a:noFill/>
+          <a:ln>
+            <a:solidFill>
+              <a:schemeClr val="tx1"/>
+            </a:solidFill>
+          </a:ln>
+        </p:spPr>
+        <p:txBody>
+          <a:bodyPr wrap="none" rtlCol="0">
+            <a:spAutoFit/>
+          </a:bodyPr>
+          <a:lstStyle/>
+          <a:p>
+            <a:r>
+              <a:rPr lang="de-DE" smtClean="0"/>
+              <a:t>class Planet {</a:t>
+            </a:r>
+          </a:p>
+          <a:p>
+            <a:r>
+              <a:rPr lang="de-DE" smtClean="0"/>
+              <a:t>   int x, y;</a:t>
+            </a:r>
+            <a:endParaRPr lang="de-DE"/>
+          </a:p>
+          <a:p>
+            <a:r>
+              <a:rPr lang="de-DE" smtClean="0"/>
+              <a:t>}</a:t>
+            </a:r>
+          </a:p>
+          <a:p>
+            <a:endParaRPr lang="de-DE"/>
+          </a:p>
+          <a:p>
+            <a:r>
+              <a:rPr lang="de-DE" smtClean="0"/>
+              <a:t>class Launcher {</a:t>
+            </a:r>
+          </a:p>
+          <a:p>
+            <a:r>
+              <a:rPr lang="de-DE" smtClean="0"/>
+              <a:t>   …main… {</a:t>
+            </a:r>
+          </a:p>
+          <a:p>
+            <a:r>
+              <a:rPr lang="de-DE" smtClean="0"/>
+              <a:t>      Planet erde = new Planet();</a:t>
+            </a:r>
+          </a:p>
+          <a:p>
+            <a:r>
+              <a:rPr lang="de-DE"/>
+              <a:t> </a:t>
+            </a:r>
+            <a:r>
+              <a:rPr lang="de-DE" smtClean="0"/>
+              <a:t>     System.out.println(erde.x + „ “ + erde.y);</a:t>
+            </a:r>
+            <a:endParaRPr lang="de-DE"/>
+          </a:p>
+          <a:p>
+            <a:r>
+              <a:rPr lang="de-DE" b="1" smtClean="0"/>
+              <a:t>      bewegen(erde);</a:t>
+            </a:r>
+          </a:p>
+          <a:p>
+            <a:r>
+              <a:rPr lang="de-DE" smtClean="0"/>
+              <a:t>      </a:t>
+            </a:r>
+            <a:r>
+              <a:rPr lang="de-DE"/>
+              <a:t>System.out.println(erde.x + „ “ + erde.y);</a:t>
+            </a:r>
+            <a:endParaRPr lang="de-DE" smtClean="0"/>
+          </a:p>
+          <a:p>
+            <a:r>
+              <a:rPr lang="de-DE"/>
+              <a:t> </a:t>
+            </a:r>
+            <a:r>
+              <a:rPr lang="de-DE" smtClean="0"/>
+              <a:t>  }</a:t>
+            </a:r>
+          </a:p>
+          <a:p>
+            <a:endParaRPr lang="de-DE"/>
+          </a:p>
+          <a:p>
+            <a:r>
+              <a:rPr lang="de-DE" smtClean="0"/>
+              <a:t>    static void bewegen(</a:t>
+            </a:r>
+            <a:r>
+              <a:rPr lang="de-DE" b="1" smtClean="0"/>
+              <a:t>Planet p</a:t>
+            </a:r>
+            <a:r>
+              <a:rPr lang="de-DE" smtClean="0"/>
+              <a:t>) {</a:t>
+            </a:r>
+          </a:p>
+          <a:p>
+            <a:r>
+              <a:rPr lang="de-DE" smtClean="0"/>
+              <a:t>         p.x = 12;</a:t>
+            </a:r>
+          </a:p>
+          <a:p>
+            <a:r>
+              <a:rPr lang="de-DE"/>
+              <a:t> </a:t>
+            </a:r>
+            <a:r>
+              <a:rPr lang="de-DE" smtClean="0"/>
+              <a:t>        p.y = 13;</a:t>
+            </a:r>
+            <a:endParaRPr lang="de-DE"/>
+          </a:p>
+          <a:p>
+            <a:r>
+              <a:rPr lang="de-DE" smtClean="0"/>
+              <a:t>    }</a:t>
+            </a:r>
+            <a:endParaRPr lang="de-DE"/>
+          </a:p>
+          <a:p>
+            <a:r>
+              <a:rPr lang="de-DE" smtClean="0"/>
+              <a:t>}</a:t>
+            </a:r>
+            <a:endParaRPr lang="de-DE"/>
+          </a:p>
+        </p:txBody>
+      </p:sp>
+      <p:cxnSp>
+        <p:nvCxnSpPr>
+          <p:cNvPr id="6" name="Gerader Verbinder 5"/>
+          <p:cNvCxnSpPr/>
+          <p:nvPr/>
+        </p:nvCxnSpPr>
+        <p:spPr>
+          <a:xfrm>
+            <a:off x="1888177" y="273132"/>
+            <a:ext cx="23751" cy="6460177"/>
+          </a:xfrm>
+          <a:prstGeom prst="line">
+            <a:avLst/>
+          </a:prstGeom>
+        </p:spPr>
+        <p:style>
+          <a:lnRef idx="1">
+            <a:schemeClr val="accent1"/>
+          </a:lnRef>
+          <a:fillRef idx="0">
+            <a:schemeClr val="accent1"/>
+          </a:fillRef>
+          <a:effectRef idx="0">
+            <a:schemeClr val="accent1"/>
+          </a:effectRef>
+          <a:fontRef idx="minor">
+            <a:schemeClr val="tx1"/>
+          </a:fontRef>
+        </p:style>
+      </p:cxnSp>
+      <p:sp>
+        <p:nvSpPr>
+          <p:cNvPr id="7" name="Textfeld 6"/>
+          <p:cNvSpPr txBox="1"/>
+          <p:nvPr/>
+        </p:nvSpPr>
+        <p:spPr>
+          <a:xfrm>
+            <a:off x="451262" y="534390"/>
+            <a:ext cx="758093" cy="369332"/>
+          </a:xfrm>
+          <a:prstGeom prst="rect">
+            <a:avLst/>
+          </a:prstGeom>
+          <a:noFill/>
+        </p:spPr>
+        <p:txBody>
+          <a:bodyPr wrap="none" rtlCol="0">
+            <a:spAutoFit/>
+          </a:bodyPr>
+          <a:lstStyle/>
+          <a:p>
+            <a:r>
+              <a:rPr lang="de-DE" smtClean="0"/>
+              <a:t>STACK</a:t>
+            </a:r>
+            <a:endParaRPr lang="de-DE"/>
+          </a:p>
+        </p:txBody>
+      </p:sp>
+      <p:sp>
+        <p:nvSpPr>
+          <p:cNvPr id="8" name="Textfeld 7"/>
+          <p:cNvSpPr txBox="1"/>
+          <p:nvPr/>
+        </p:nvSpPr>
+        <p:spPr>
+          <a:xfrm>
+            <a:off x="2910418" y="534390"/>
+            <a:ext cx="690317" cy="369332"/>
+          </a:xfrm>
+          <a:prstGeom prst="rect">
+            <a:avLst/>
+          </a:prstGeom>
+          <a:noFill/>
+        </p:spPr>
+        <p:txBody>
+          <a:bodyPr wrap="none" rtlCol="0">
+            <a:spAutoFit/>
+          </a:bodyPr>
+          <a:lstStyle/>
+          <a:p>
+            <a:r>
+              <a:rPr lang="de-DE" smtClean="0"/>
+              <a:t>HEAP</a:t>
+            </a:r>
+            <a:endParaRPr lang="de-DE"/>
+          </a:p>
+        </p:txBody>
+      </p:sp>
+      <p:sp>
+        <p:nvSpPr>
+          <p:cNvPr id="9" name="Rechteck 8"/>
+          <p:cNvSpPr/>
+          <p:nvPr/>
+        </p:nvSpPr>
+        <p:spPr>
+          <a:xfrm>
+            <a:off x="617516" y="6234545"/>
+            <a:ext cx="1104405" cy="308759"/>
+          </a:xfrm>
+          <a:prstGeom prst="rect">
+            <a:avLst/>
+          </a:prstGeom>
+        </p:spPr>
+        <p:style>
+          <a:lnRef idx="2">
+            <a:schemeClr val="accent1">
+              <a:shade val="50000"/>
+            </a:schemeClr>
+          </a:lnRef>
+          <a:fillRef idx="1">
+            <a:schemeClr val="accent1"/>
+          </a:fillRef>
+          <a:effectRef idx="0">
+            <a:schemeClr val="accent1"/>
+          </a:effectRef>
+          <a:fontRef idx="minor">
+            <a:schemeClr val="lt1"/>
+          </a:fontRef>
+        </p:style>
+        <p:txBody>
+          <a:bodyPr rtlCol="0" anchor="ctr"/>
+          <a:lstStyle/>
+          <a:p>
+            <a:pPr algn="ctr"/>
+            <a:r>
+              <a:rPr lang="de-DE"/>
+              <a:t>1b2c3d</a:t>
+            </a:r>
+          </a:p>
+        </p:txBody>
+      </p:sp>
+      <p:sp>
+        <p:nvSpPr>
+          <p:cNvPr id="10" name="Textfeld 9"/>
+          <p:cNvSpPr txBox="1"/>
+          <p:nvPr/>
+        </p:nvSpPr>
+        <p:spPr>
+          <a:xfrm>
+            <a:off x="0" y="6234545"/>
+            <a:ext cx="614335" cy="369332"/>
+          </a:xfrm>
+          <a:prstGeom prst="rect">
+            <a:avLst/>
+          </a:prstGeom>
+          <a:noFill/>
+        </p:spPr>
+        <p:txBody>
+          <a:bodyPr wrap="none" rtlCol="0">
+            <a:spAutoFit/>
+          </a:bodyPr>
+          <a:lstStyle/>
+          <a:p>
+            <a:r>
+              <a:rPr lang="de-DE" smtClean="0"/>
+              <a:t>erde</a:t>
+            </a:r>
+            <a:endParaRPr lang="de-DE"/>
+          </a:p>
+        </p:txBody>
+      </p:sp>
+      <p:sp>
+        <p:nvSpPr>
+          <p:cNvPr id="11" name="Rechteck 10"/>
+          <p:cNvSpPr/>
+          <p:nvPr/>
+        </p:nvSpPr>
+        <p:spPr>
+          <a:xfrm>
+            <a:off x="3336966" y="2612571"/>
+            <a:ext cx="1911928" cy="1009403"/>
+          </a:xfrm>
+          <a:prstGeom prst="rect">
+            <a:avLst/>
+          </a:prstGeom>
+        </p:spPr>
+        <p:style>
+          <a:lnRef idx="2">
+            <a:schemeClr val="accent1">
+              <a:shade val="50000"/>
+            </a:schemeClr>
+          </a:lnRef>
+          <a:fillRef idx="1">
+            <a:schemeClr val="accent1"/>
+          </a:fillRef>
+          <a:effectRef idx="0">
+            <a:schemeClr val="accent1"/>
+          </a:effectRef>
+          <a:fontRef idx="minor">
+            <a:schemeClr val="lt1"/>
+          </a:fontRef>
+        </p:style>
+        <p:txBody>
+          <a:bodyPr rtlCol="0" anchor="ctr"/>
+          <a:lstStyle/>
+          <a:p>
+            <a:pPr algn="ctr"/>
+            <a:endParaRPr lang="de-DE"/>
+          </a:p>
+        </p:txBody>
+      </p:sp>
+      <p:sp>
+        <p:nvSpPr>
+          <p:cNvPr id="12" name="Rechteck 11"/>
+          <p:cNvSpPr/>
+          <p:nvPr/>
+        </p:nvSpPr>
+        <p:spPr>
+          <a:xfrm>
+            <a:off x="3420094" y="2719449"/>
+            <a:ext cx="1710046" cy="380011"/>
+          </a:xfrm>
+          <a:prstGeom prst="rect">
+            <a:avLst/>
+          </a:prstGeom>
+        </p:spPr>
+        <p:style>
+          <a:lnRef idx="2">
+            <a:schemeClr val="accent1">
+              <a:shade val="50000"/>
+            </a:schemeClr>
+          </a:lnRef>
+          <a:fillRef idx="1">
+            <a:schemeClr val="accent1"/>
+          </a:fillRef>
+          <a:effectRef idx="0">
+            <a:schemeClr val="accent1"/>
+          </a:effectRef>
+          <a:fontRef idx="minor">
+            <a:schemeClr val="lt1"/>
+          </a:fontRef>
+        </p:style>
+        <p:txBody>
+          <a:bodyPr rtlCol="0" anchor="ctr"/>
+          <a:lstStyle/>
+          <a:p>
+            <a:pPr algn="ctr"/>
+            <a:r>
+              <a:rPr lang="de-DE" smtClean="0"/>
+              <a:t>0</a:t>
+            </a:r>
+            <a:endParaRPr lang="de-DE"/>
+          </a:p>
+        </p:txBody>
+      </p:sp>
+      <p:sp>
+        <p:nvSpPr>
+          <p:cNvPr id="13" name="Rechteck 12"/>
+          <p:cNvSpPr/>
+          <p:nvPr/>
+        </p:nvSpPr>
+        <p:spPr>
+          <a:xfrm>
+            <a:off x="3420094" y="3099460"/>
+            <a:ext cx="1710046" cy="380011"/>
+          </a:xfrm>
+          <a:prstGeom prst="rect">
+            <a:avLst/>
+          </a:prstGeom>
+        </p:spPr>
+        <p:style>
+          <a:lnRef idx="2">
+            <a:schemeClr val="accent1">
+              <a:shade val="50000"/>
+            </a:schemeClr>
+          </a:lnRef>
+          <a:fillRef idx="1">
+            <a:schemeClr val="accent1"/>
+          </a:fillRef>
+          <a:effectRef idx="0">
+            <a:schemeClr val="accent1"/>
+          </a:effectRef>
+          <a:fontRef idx="minor">
+            <a:schemeClr val="lt1"/>
+          </a:fontRef>
+        </p:style>
+        <p:txBody>
+          <a:bodyPr rtlCol="0" anchor="ctr"/>
+          <a:lstStyle/>
+          <a:p>
+            <a:pPr algn="ctr"/>
+            <a:r>
+              <a:rPr lang="de-DE" smtClean="0"/>
+              <a:t>0</a:t>
+            </a:r>
+            <a:endParaRPr lang="de-DE"/>
+          </a:p>
+        </p:txBody>
+      </p:sp>
+      <p:sp>
+        <p:nvSpPr>
+          <p:cNvPr id="14" name="Textfeld 13"/>
+          <p:cNvSpPr txBox="1"/>
+          <p:nvPr/>
+        </p:nvSpPr>
+        <p:spPr>
+          <a:xfrm>
+            <a:off x="4405745" y="2149434"/>
+            <a:ext cx="779765" cy="369332"/>
+          </a:xfrm>
+          <a:prstGeom prst="rect">
+            <a:avLst/>
+          </a:prstGeom>
+          <a:noFill/>
+        </p:spPr>
+        <p:txBody>
+          <a:bodyPr wrap="none" rtlCol="0">
+            <a:spAutoFit/>
+          </a:bodyPr>
+          <a:lstStyle/>
+          <a:p>
+            <a:r>
+              <a:rPr lang="de-DE" smtClean="0"/>
+              <a:t>Planet</a:t>
+            </a:r>
+            <a:endParaRPr lang="de-DE"/>
+          </a:p>
+        </p:txBody>
+      </p:sp>
+      <p:sp>
+        <p:nvSpPr>
+          <p:cNvPr id="15" name="Textfeld 14"/>
+          <p:cNvSpPr txBox="1"/>
+          <p:nvPr/>
+        </p:nvSpPr>
+        <p:spPr>
+          <a:xfrm>
+            <a:off x="3084229" y="2752681"/>
+            <a:ext cx="434221" cy="369332"/>
+          </a:xfrm>
+          <a:prstGeom prst="rect">
+            <a:avLst/>
+          </a:prstGeom>
+          <a:noFill/>
+        </p:spPr>
+        <p:txBody>
+          <a:bodyPr wrap="none" rtlCol="0">
+            <a:spAutoFit/>
+          </a:bodyPr>
+          <a:lstStyle/>
+          <a:p>
+            <a:r>
+              <a:rPr lang="de-DE" smtClean="0"/>
+              <a:t>int</a:t>
+            </a:r>
+            <a:endParaRPr lang="de-DE"/>
+          </a:p>
+        </p:txBody>
+      </p:sp>
+      <p:sp>
+        <p:nvSpPr>
+          <p:cNvPr id="16" name="Textfeld 15"/>
+          <p:cNvSpPr txBox="1"/>
+          <p:nvPr/>
+        </p:nvSpPr>
+        <p:spPr>
+          <a:xfrm>
+            <a:off x="3076615" y="3097066"/>
+            <a:ext cx="434221" cy="369332"/>
+          </a:xfrm>
+          <a:prstGeom prst="rect">
+            <a:avLst/>
+          </a:prstGeom>
+          <a:noFill/>
+        </p:spPr>
+        <p:txBody>
+          <a:bodyPr wrap="none" rtlCol="0">
+            <a:spAutoFit/>
+          </a:bodyPr>
+          <a:lstStyle/>
+          <a:p>
+            <a:r>
+              <a:rPr lang="de-DE" smtClean="0"/>
+              <a:t>int</a:t>
+            </a:r>
+            <a:endParaRPr lang="de-DE"/>
+          </a:p>
+        </p:txBody>
+      </p:sp>
+      <p:sp>
+        <p:nvSpPr>
+          <p:cNvPr id="17" name="Textfeld 16"/>
+          <p:cNvSpPr txBox="1"/>
+          <p:nvPr/>
+        </p:nvSpPr>
+        <p:spPr>
+          <a:xfrm>
+            <a:off x="5185510" y="2727734"/>
+            <a:ext cx="284052" cy="369332"/>
+          </a:xfrm>
+          <a:prstGeom prst="rect">
+            <a:avLst/>
+          </a:prstGeom>
+          <a:noFill/>
+        </p:spPr>
+        <p:txBody>
+          <a:bodyPr wrap="none" rtlCol="0">
+            <a:spAutoFit/>
+          </a:bodyPr>
+          <a:lstStyle/>
+          <a:p>
+            <a:r>
+              <a:rPr lang="de-DE" smtClean="0"/>
+              <a:t>x</a:t>
+            </a:r>
+            <a:endParaRPr lang="de-DE"/>
+          </a:p>
+        </p:txBody>
+      </p:sp>
+      <p:sp>
+        <p:nvSpPr>
+          <p:cNvPr id="18" name="Textfeld 17"/>
+          <p:cNvSpPr txBox="1"/>
+          <p:nvPr/>
+        </p:nvSpPr>
+        <p:spPr>
+          <a:xfrm>
+            <a:off x="5185510" y="3110139"/>
+            <a:ext cx="288862" cy="369332"/>
+          </a:xfrm>
+          <a:prstGeom prst="rect">
+            <a:avLst/>
+          </a:prstGeom>
+          <a:noFill/>
+        </p:spPr>
+        <p:txBody>
+          <a:bodyPr wrap="none" rtlCol="0">
+            <a:spAutoFit/>
+          </a:bodyPr>
+          <a:lstStyle/>
+          <a:p>
+            <a:r>
+              <a:rPr lang="de-DE" smtClean="0"/>
+              <a:t>y</a:t>
+            </a:r>
+            <a:endParaRPr lang="de-DE"/>
+          </a:p>
+        </p:txBody>
+      </p:sp>
+      <p:sp>
+        <p:nvSpPr>
+          <p:cNvPr id="19" name="Textfeld 18"/>
+          <p:cNvSpPr txBox="1"/>
+          <p:nvPr/>
+        </p:nvSpPr>
+        <p:spPr>
+          <a:xfrm>
+            <a:off x="2819281" y="2361991"/>
+            <a:ext cx="646331" cy="276999"/>
+          </a:xfrm>
+          <a:prstGeom prst="rect">
+            <a:avLst/>
+          </a:prstGeom>
+          <a:noFill/>
+        </p:spPr>
+        <p:txBody>
+          <a:bodyPr wrap="none" rtlCol="0">
+            <a:spAutoFit/>
+          </a:bodyPr>
+          <a:lstStyle/>
+          <a:p>
+            <a:r>
+              <a:rPr lang="de-DE" sz="1200" smtClean="0"/>
+              <a:t>1b2c3d</a:t>
+            </a:r>
+            <a:endParaRPr lang="de-DE" sz="1200"/>
+          </a:p>
+        </p:txBody>
+      </p:sp>
+      <p:cxnSp>
+        <p:nvCxnSpPr>
+          <p:cNvPr id="21" name="Gerade Verbindung mit Pfeil 20"/>
+          <p:cNvCxnSpPr>
+            <a:stCxn id="10" idx="0"/>
+          </p:cNvCxnSpPr>
+          <p:nvPr/>
+        </p:nvCxnSpPr>
+        <p:spPr>
+          <a:xfrm flipV="1">
+            <a:off x="307168" y="3621974"/>
+            <a:ext cx="3029798" cy="2612571"/>
+          </a:xfrm>
+          <a:prstGeom prst="straightConnector1">
+            <a:avLst/>
+          </a:prstGeom>
+          <a:ln>
+            <a:tailEnd type="triangle"/>
+          </a:ln>
+        </p:spPr>
+        <p:style>
+          <a:lnRef idx="1">
+            <a:schemeClr val="accent1"/>
+          </a:lnRef>
+          <a:fillRef idx="0">
+            <a:schemeClr val="accent1"/>
+          </a:fillRef>
+          <a:effectRef idx="0">
+            <a:schemeClr val="accent1"/>
+          </a:effectRef>
+          <a:fontRef idx="minor">
+            <a:schemeClr val="tx1"/>
+          </a:fontRef>
+        </p:style>
+      </p:cxnSp>
+      <p:sp>
+        <p:nvSpPr>
+          <p:cNvPr id="20" name="Rechteck 19"/>
+          <p:cNvSpPr/>
+          <p:nvPr/>
+        </p:nvSpPr>
+        <p:spPr>
+          <a:xfrm>
+            <a:off x="687806" y="4252564"/>
+            <a:ext cx="1104405" cy="308759"/>
+          </a:xfrm>
+          <a:prstGeom prst="rect">
+            <a:avLst/>
+          </a:prstGeom>
+        </p:spPr>
+        <p:style>
+          <a:lnRef idx="2">
+            <a:schemeClr val="accent1">
+              <a:shade val="50000"/>
+            </a:schemeClr>
+          </a:lnRef>
+          <a:fillRef idx="1">
+            <a:schemeClr val="accent1"/>
+          </a:fillRef>
+          <a:effectRef idx="0">
+            <a:schemeClr val="accent1"/>
+          </a:effectRef>
+          <a:fontRef idx="minor">
+            <a:schemeClr val="lt1"/>
+          </a:fontRef>
+        </p:style>
+        <p:txBody>
+          <a:bodyPr rtlCol="0" anchor="ctr"/>
+          <a:lstStyle/>
+          <a:p>
+            <a:pPr algn="ctr"/>
+            <a:r>
+              <a:rPr lang="de-DE"/>
+              <a:t>1b2c3d</a:t>
+            </a:r>
+          </a:p>
+        </p:txBody>
+      </p:sp>
+      <p:sp>
+        <p:nvSpPr>
+          <p:cNvPr id="22" name="Textfeld 21"/>
+          <p:cNvSpPr txBox="1"/>
+          <p:nvPr/>
+        </p:nvSpPr>
+        <p:spPr>
+          <a:xfrm>
+            <a:off x="70290" y="4252564"/>
+            <a:ext cx="306494" cy="369332"/>
+          </a:xfrm>
+          <a:prstGeom prst="rect">
+            <a:avLst/>
+          </a:prstGeom>
+          <a:noFill/>
+        </p:spPr>
+        <p:txBody>
+          <a:bodyPr wrap="none" rtlCol="0">
+            <a:spAutoFit/>
+          </a:bodyPr>
+          <a:lstStyle/>
+          <a:p>
+            <a:r>
+              <a:rPr lang="de-DE" smtClean="0"/>
+              <a:t>p</a:t>
+            </a:r>
+            <a:endParaRPr lang="de-DE"/>
+          </a:p>
+        </p:txBody>
+      </p:sp>
+      <p:cxnSp>
+        <p:nvCxnSpPr>
+          <p:cNvPr id="23" name="Gerade Verbindung mit Pfeil 22"/>
+          <p:cNvCxnSpPr>
+            <a:stCxn id="22" idx="3"/>
+          </p:cNvCxnSpPr>
+          <p:nvPr/>
+        </p:nvCxnSpPr>
+        <p:spPr>
+          <a:xfrm flipV="1">
+            <a:off x="376784" y="3481865"/>
+            <a:ext cx="2960182" cy="955365"/>
+          </a:xfrm>
+          <a:prstGeom prst="straightConnector1">
+            <a:avLst/>
+          </a:prstGeom>
+          <a:ln>
+            <a:tailEnd type="triangle"/>
+          </a:ln>
+        </p:spPr>
+        <p:style>
+          <a:lnRef idx="1">
+            <a:schemeClr val="accent1"/>
+          </a:lnRef>
+          <a:fillRef idx="0">
+            <a:schemeClr val="accent1"/>
+          </a:fillRef>
+          <a:effectRef idx="0">
+            <a:schemeClr val="accent1"/>
+          </a:effectRef>
+          <a:fontRef idx="minor">
+            <a:schemeClr val="tx1"/>
+          </a:fontRef>
+        </p:style>
+      </p:cxnSp>
+    </p:spTree>
+    <p:extLst>
+      <p:ext uri="{BB962C8B-B14F-4D97-AF65-F5344CB8AC3E}">
+        <p14:creationId xmlns:p14="http://schemas.microsoft.com/office/powerpoint/2010/main" val="2169813725"/>
+      </p:ext>
+    </p:extLst>
+  </p:cSld>
+  <p:clrMapOvr>
+    <a:masterClrMapping/>
+  </p:clrMapOvr>
+</p:sld>
+</file>
+
+<file path=ppt/slides/slide11.xml><?xml version="1.0" encoding="utf-8"?>
+<p:sld xmlns:a="http://schemas.openxmlformats.org/drawingml/2006/main" xmlns:r="http://schemas.openxmlformats.org/officeDocument/2006/relationships" xmlns:p="http://schemas.openxmlformats.org/presentationml/2006/main">
+  <p:cSld>
+    <p:spTree>
+      <p:nvGrpSpPr>
+        <p:cNvPr id="1" name=""/>
+        <p:cNvGrpSpPr/>
+        <p:nvPr/>
+      </p:nvGrpSpPr>
+      <p:grpSpPr>
+        <a:xfrm>
+          <a:off x="0" y="0"/>
+          <a:ext cx="0" cy="0"/>
+          <a:chOff x="0" y="0"/>
+          <a:chExt cx="0" cy="0"/>
+        </a:xfrm>
+      </p:grpSpPr>
+      <p:sp>
+        <p:nvSpPr>
+          <p:cNvPr id="4" name="Textfeld 3"/>
+          <p:cNvSpPr txBox="1"/>
+          <p:nvPr/>
+        </p:nvSpPr>
+        <p:spPr>
+          <a:xfrm>
+            <a:off x="7588333" y="273132"/>
+            <a:ext cx="4291752" cy="4801314"/>
+          </a:xfrm>
+          <a:prstGeom prst="rect">
+            <a:avLst/>
+          </a:prstGeom>
+          <a:noFill/>
+          <a:ln>
+            <a:solidFill>
+              <a:schemeClr val="tx1"/>
+            </a:solidFill>
+          </a:ln>
+        </p:spPr>
+        <p:txBody>
+          <a:bodyPr wrap="none" rtlCol="0">
+            <a:spAutoFit/>
+          </a:bodyPr>
+          <a:lstStyle/>
+          <a:p>
+            <a:r>
+              <a:rPr lang="de-DE" smtClean="0"/>
+              <a:t>class Planet {</a:t>
+            </a:r>
+          </a:p>
+          <a:p>
+            <a:r>
+              <a:rPr lang="de-DE" smtClean="0"/>
+              <a:t>   int x, y;</a:t>
+            </a:r>
+            <a:endParaRPr lang="de-DE"/>
+          </a:p>
+          <a:p>
+            <a:r>
+              <a:rPr lang="de-DE" smtClean="0"/>
+              <a:t>}</a:t>
+            </a:r>
+          </a:p>
+          <a:p>
+            <a:endParaRPr lang="de-DE"/>
+          </a:p>
+          <a:p>
+            <a:r>
+              <a:rPr lang="de-DE" smtClean="0"/>
+              <a:t>class Launcher {</a:t>
+            </a:r>
+          </a:p>
+          <a:p>
+            <a:r>
+              <a:rPr lang="de-DE" smtClean="0"/>
+              <a:t>   …main… {</a:t>
+            </a:r>
+          </a:p>
+          <a:p>
+            <a:r>
+              <a:rPr lang="de-DE" smtClean="0"/>
+              <a:t>      Planet erde = new Planet();</a:t>
+            </a:r>
+          </a:p>
+          <a:p>
+            <a:r>
+              <a:rPr lang="de-DE"/>
+              <a:t> </a:t>
+            </a:r>
+            <a:r>
+              <a:rPr lang="de-DE" smtClean="0"/>
+              <a:t>     System.out.println(erde.x + „ “ + erde.y);</a:t>
+            </a:r>
+            <a:endParaRPr lang="de-DE"/>
+          </a:p>
+          <a:p>
+            <a:r>
+              <a:rPr lang="de-DE" b="1" smtClean="0"/>
+              <a:t>      bewegen(erde);</a:t>
+            </a:r>
+          </a:p>
+          <a:p>
+            <a:r>
+              <a:rPr lang="de-DE" smtClean="0"/>
+              <a:t>      </a:t>
+            </a:r>
+            <a:r>
+              <a:rPr lang="de-DE"/>
+              <a:t>System.out.println(erde.x + „ “ + erde.y);</a:t>
+            </a:r>
+            <a:endParaRPr lang="de-DE" smtClean="0"/>
+          </a:p>
+          <a:p>
+            <a:r>
+              <a:rPr lang="de-DE"/>
+              <a:t> </a:t>
+            </a:r>
+            <a:r>
+              <a:rPr lang="de-DE" smtClean="0"/>
+              <a:t>  }</a:t>
+            </a:r>
+          </a:p>
+          <a:p>
+            <a:endParaRPr lang="de-DE"/>
+          </a:p>
+          <a:p>
+            <a:r>
+              <a:rPr lang="de-DE" smtClean="0"/>
+              <a:t>    static void bewegen(Planet p) {</a:t>
+            </a:r>
+          </a:p>
+          <a:p>
+            <a:r>
+              <a:rPr lang="de-DE" b="1" smtClean="0"/>
+              <a:t>         p.x = 12;</a:t>
+            </a:r>
+          </a:p>
+          <a:p>
+            <a:r>
+              <a:rPr lang="de-DE" b="1"/>
+              <a:t> </a:t>
+            </a:r>
+            <a:r>
+              <a:rPr lang="de-DE" b="1" smtClean="0"/>
+              <a:t>        p.y = 13;</a:t>
+            </a:r>
+            <a:endParaRPr lang="de-DE" b="1"/>
+          </a:p>
+          <a:p>
+            <a:r>
+              <a:rPr lang="de-DE" smtClean="0"/>
+              <a:t>    }</a:t>
+            </a:r>
+            <a:endParaRPr lang="de-DE"/>
+          </a:p>
+          <a:p>
+            <a:r>
+              <a:rPr lang="de-DE" smtClean="0"/>
+              <a:t>}</a:t>
+            </a:r>
+            <a:endParaRPr lang="de-DE"/>
+          </a:p>
+        </p:txBody>
+      </p:sp>
+      <p:cxnSp>
+        <p:nvCxnSpPr>
+          <p:cNvPr id="6" name="Gerader Verbinder 5"/>
+          <p:cNvCxnSpPr/>
+          <p:nvPr/>
+        </p:nvCxnSpPr>
+        <p:spPr>
+          <a:xfrm>
+            <a:off x="1888177" y="273132"/>
+            <a:ext cx="23751" cy="6460177"/>
+          </a:xfrm>
+          <a:prstGeom prst="line">
+            <a:avLst/>
+          </a:prstGeom>
+        </p:spPr>
+        <p:style>
+          <a:lnRef idx="1">
+            <a:schemeClr val="accent1"/>
+          </a:lnRef>
+          <a:fillRef idx="0">
+            <a:schemeClr val="accent1"/>
+          </a:fillRef>
+          <a:effectRef idx="0">
+            <a:schemeClr val="accent1"/>
+          </a:effectRef>
+          <a:fontRef idx="minor">
+            <a:schemeClr val="tx1"/>
+          </a:fontRef>
+        </p:style>
+      </p:cxnSp>
+      <p:sp>
+        <p:nvSpPr>
+          <p:cNvPr id="7" name="Textfeld 6"/>
+          <p:cNvSpPr txBox="1"/>
+          <p:nvPr/>
+        </p:nvSpPr>
+        <p:spPr>
+          <a:xfrm>
+            <a:off x="451262" y="534390"/>
+            <a:ext cx="758093" cy="369332"/>
+          </a:xfrm>
+          <a:prstGeom prst="rect">
+            <a:avLst/>
+          </a:prstGeom>
+          <a:noFill/>
+        </p:spPr>
+        <p:txBody>
+          <a:bodyPr wrap="none" rtlCol="0">
+            <a:spAutoFit/>
+          </a:bodyPr>
+          <a:lstStyle/>
+          <a:p>
+            <a:r>
+              <a:rPr lang="de-DE" smtClean="0"/>
+              <a:t>STACK</a:t>
+            </a:r>
+            <a:endParaRPr lang="de-DE"/>
+          </a:p>
+        </p:txBody>
+      </p:sp>
+      <p:sp>
+        <p:nvSpPr>
+          <p:cNvPr id="8" name="Textfeld 7"/>
+          <p:cNvSpPr txBox="1"/>
+          <p:nvPr/>
+        </p:nvSpPr>
+        <p:spPr>
+          <a:xfrm>
+            <a:off x="2910418" y="534390"/>
+            <a:ext cx="690317" cy="369332"/>
+          </a:xfrm>
+          <a:prstGeom prst="rect">
+            <a:avLst/>
+          </a:prstGeom>
+          <a:noFill/>
+        </p:spPr>
+        <p:txBody>
+          <a:bodyPr wrap="none" rtlCol="0">
+            <a:spAutoFit/>
+          </a:bodyPr>
+          <a:lstStyle/>
+          <a:p>
+            <a:r>
+              <a:rPr lang="de-DE" smtClean="0"/>
+              <a:t>HEAP</a:t>
+            </a:r>
+            <a:endParaRPr lang="de-DE"/>
+          </a:p>
+        </p:txBody>
+      </p:sp>
+      <p:sp>
+        <p:nvSpPr>
+          <p:cNvPr id="9" name="Rechteck 8"/>
+          <p:cNvSpPr/>
+          <p:nvPr/>
+        </p:nvSpPr>
+        <p:spPr>
+          <a:xfrm>
+            <a:off x="617516" y="6234545"/>
+            <a:ext cx="1104405" cy="308759"/>
+          </a:xfrm>
+          <a:prstGeom prst="rect">
+            <a:avLst/>
+          </a:prstGeom>
+        </p:spPr>
+        <p:style>
+          <a:lnRef idx="2">
+            <a:schemeClr val="accent1">
+              <a:shade val="50000"/>
+            </a:schemeClr>
+          </a:lnRef>
+          <a:fillRef idx="1">
+            <a:schemeClr val="accent1"/>
+          </a:fillRef>
+          <a:effectRef idx="0">
+            <a:schemeClr val="accent1"/>
+          </a:effectRef>
+          <a:fontRef idx="minor">
+            <a:schemeClr val="lt1"/>
+          </a:fontRef>
+        </p:style>
+        <p:txBody>
+          <a:bodyPr rtlCol="0" anchor="ctr"/>
+          <a:lstStyle/>
+          <a:p>
+            <a:pPr algn="ctr"/>
+            <a:r>
+              <a:rPr lang="de-DE"/>
+              <a:t>1b2c3d</a:t>
+            </a:r>
+          </a:p>
+        </p:txBody>
+      </p:sp>
+      <p:sp>
+        <p:nvSpPr>
+          <p:cNvPr id="10" name="Textfeld 9"/>
+          <p:cNvSpPr txBox="1"/>
+          <p:nvPr/>
+        </p:nvSpPr>
+        <p:spPr>
+          <a:xfrm>
+            <a:off x="0" y="6234545"/>
+            <a:ext cx="614335" cy="369332"/>
+          </a:xfrm>
+          <a:prstGeom prst="rect">
+            <a:avLst/>
+          </a:prstGeom>
+          <a:noFill/>
+        </p:spPr>
+        <p:txBody>
+          <a:bodyPr wrap="none" rtlCol="0">
+            <a:spAutoFit/>
+          </a:bodyPr>
+          <a:lstStyle/>
+          <a:p>
+            <a:r>
+              <a:rPr lang="de-DE" smtClean="0"/>
+              <a:t>erde</a:t>
+            </a:r>
+            <a:endParaRPr lang="de-DE"/>
+          </a:p>
+        </p:txBody>
+      </p:sp>
+      <p:sp>
+        <p:nvSpPr>
+          <p:cNvPr id="11" name="Rechteck 10"/>
+          <p:cNvSpPr/>
+          <p:nvPr/>
+        </p:nvSpPr>
+        <p:spPr>
+          <a:xfrm>
+            <a:off x="3336966" y="2612571"/>
+            <a:ext cx="1911928" cy="1009403"/>
+          </a:xfrm>
+          <a:prstGeom prst="rect">
+            <a:avLst/>
+          </a:prstGeom>
+        </p:spPr>
+        <p:style>
+          <a:lnRef idx="2">
+            <a:schemeClr val="accent1">
+              <a:shade val="50000"/>
+            </a:schemeClr>
+          </a:lnRef>
+          <a:fillRef idx="1">
+            <a:schemeClr val="accent1"/>
+          </a:fillRef>
+          <a:effectRef idx="0">
+            <a:schemeClr val="accent1"/>
+          </a:effectRef>
+          <a:fontRef idx="minor">
+            <a:schemeClr val="lt1"/>
+          </a:fontRef>
+        </p:style>
+        <p:txBody>
+          <a:bodyPr rtlCol="0" anchor="ctr"/>
+          <a:lstStyle/>
+          <a:p>
+            <a:pPr algn="ctr"/>
+            <a:endParaRPr lang="de-DE"/>
+          </a:p>
+        </p:txBody>
+      </p:sp>
+      <p:sp>
+        <p:nvSpPr>
+          <p:cNvPr id="12" name="Rechteck 11"/>
+          <p:cNvSpPr/>
+          <p:nvPr/>
+        </p:nvSpPr>
+        <p:spPr>
+          <a:xfrm>
+            <a:off x="3420094" y="2719449"/>
+            <a:ext cx="1710046" cy="380011"/>
+          </a:xfrm>
+          <a:prstGeom prst="rect">
+            <a:avLst/>
+          </a:prstGeom>
+        </p:spPr>
+        <p:style>
+          <a:lnRef idx="2">
+            <a:schemeClr val="accent1">
+              <a:shade val="50000"/>
+            </a:schemeClr>
+          </a:lnRef>
+          <a:fillRef idx="1">
+            <a:schemeClr val="accent1"/>
+          </a:fillRef>
+          <a:effectRef idx="0">
+            <a:schemeClr val="accent1"/>
+          </a:effectRef>
+          <a:fontRef idx="minor">
+            <a:schemeClr val="lt1"/>
+          </a:fontRef>
+        </p:style>
+        <p:txBody>
+          <a:bodyPr rtlCol="0" anchor="ctr"/>
+          <a:lstStyle/>
+          <a:p>
+            <a:pPr algn="ctr"/>
+            <a:r>
+              <a:rPr lang="de-DE" smtClean="0">
+                <a:solidFill>
+                  <a:srgbClr val="FF0000"/>
+                </a:solidFill>
+              </a:rPr>
+              <a:t>12</a:t>
+            </a:r>
+            <a:endParaRPr lang="de-DE">
+              <a:solidFill>
+                <a:srgbClr val="FF0000"/>
+              </a:solidFill>
+            </a:endParaRPr>
+          </a:p>
+        </p:txBody>
+      </p:sp>
+      <p:sp>
+        <p:nvSpPr>
+          <p:cNvPr id="13" name="Rechteck 12"/>
+          <p:cNvSpPr/>
+          <p:nvPr/>
+        </p:nvSpPr>
+        <p:spPr>
+          <a:xfrm>
+            <a:off x="3420094" y="3099460"/>
+            <a:ext cx="1710046" cy="380011"/>
+          </a:xfrm>
+          <a:prstGeom prst="rect">
+            <a:avLst/>
+          </a:prstGeom>
+        </p:spPr>
+        <p:style>
+          <a:lnRef idx="2">
+            <a:schemeClr val="accent1">
+              <a:shade val="50000"/>
+            </a:schemeClr>
+          </a:lnRef>
+          <a:fillRef idx="1">
+            <a:schemeClr val="accent1"/>
+          </a:fillRef>
+          <a:effectRef idx="0">
+            <a:schemeClr val="accent1"/>
+          </a:effectRef>
+          <a:fontRef idx="minor">
+            <a:schemeClr val="lt1"/>
+          </a:fontRef>
+        </p:style>
+        <p:txBody>
+          <a:bodyPr rtlCol="0" anchor="ctr"/>
+          <a:lstStyle/>
+          <a:p>
+            <a:pPr algn="ctr"/>
+            <a:r>
+              <a:rPr lang="de-DE" smtClean="0">
+                <a:solidFill>
+                  <a:srgbClr val="FF0000"/>
+                </a:solidFill>
+              </a:rPr>
+              <a:t>13</a:t>
+            </a:r>
+            <a:endParaRPr lang="de-DE">
+              <a:solidFill>
+                <a:srgbClr val="FF0000"/>
+              </a:solidFill>
+            </a:endParaRPr>
+          </a:p>
+        </p:txBody>
+      </p:sp>
+      <p:sp>
+        <p:nvSpPr>
+          <p:cNvPr id="14" name="Textfeld 13"/>
+          <p:cNvSpPr txBox="1"/>
+          <p:nvPr/>
+        </p:nvSpPr>
+        <p:spPr>
+          <a:xfrm>
+            <a:off x="4405745" y="2149434"/>
+            <a:ext cx="779765" cy="369332"/>
+          </a:xfrm>
+          <a:prstGeom prst="rect">
+            <a:avLst/>
+          </a:prstGeom>
+          <a:noFill/>
+        </p:spPr>
+        <p:txBody>
+          <a:bodyPr wrap="none" rtlCol="0">
+            <a:spAutoFit/>
+          </a:bodyPr>
+          <a:lstStyle/>
+          <a:p>
+            <a:r>
+              <a:rPr lang="de-DE" smtClean="0"/>
+              <a:t>Planet</a:t>
+            </a:r>
+            <a:endParaRPr lang="de-DE"/>
+          </a:p>
+        </p:txBody>
+      </p:sp>
+      <p:sp>
+        <p:nvSpPr>
+          <p:cNvPr id="15" name="Textfeld 14"/>
+          <p:cNvSpPr txBox="1"/>
+          <p:nvPr/>
+        </p:nvSpPr>
+        <p:spPr>
+          <a:xfrm>
+            <a:off x="3084229" y="2752681"/>
+            <a:ext cx="434221" cy="369332"/>
+          </a:xfrm>
+          <a:prstGeom prst="rect">
+            <a:avLst/>
+          </a:prstGeom>
+          <a:noFill/>
+        </p:spPr>
+        <p:txBody>
+          <a:bodyPr wrap="none" rtlCol="0">
+            <a:spAutoFit/>
+          </a:bodyPr>
+          <a:lstStyle/>
+          <a:p>
+            <a:r>
+              <a:rPr lang="de-DE" smtClean="0"/>
+              <a:t>int</a:t>
+            </a:r>
+            <a:endParaRPr lang="de-DE"/>
+          </a:p>
+        </p:txBody>
+      </p:sp>
+      <p:sp>
+        <p:nvSpPr>
+          <p:cNvPr id="16" name="Textfeld 15"/>
+          <p:cNvSpPr txBox="1"/>
+          <p:nvPr/>
+        </p:nvSpPr>
+        <p:spPr>
+          <a:xfrm>
+            <a:off x="3076615" y="3097066"/>
+            <a:ext cx="434221" cy="369332"/>
+          </a:xfrm>
+          <a:prstGeom prst="rect">
+            <a:avLst/>
+          </a:prstGeom>
+          <a:noFill/>
+        </p:spPr>
+        <p:txBody>
+          <a:bodyPr wrap="none" rtlCol="0">
+            <a:spAutoFit/>
+          </a:bodyPr>
+          <a:lstStyle/>
+          <a:p>
+            <a:r>
+              <a:rPr lang="de-DE" smtClean="0"/>
+              <a:t>int</a:t>
+            </a:r>
+            <a:endParaRPr lang="de-DE"/>
+          </a:p>
+        </p:txBody>
+      </p:sp>
+      <p:sp>
+        <p:nvSpPr>
+          <p:cNvPr id="17" name="Textfeld 16"/>
+          <p:cNvSpPr txBox="1"/>
+          <p:nvPr/>
+        </p:nvSpPr>
+        <p:spPr>
+          <a:xfrm>
+            <a:off x="5185510" y="2727734"/>
+            <a:ext cx="284052" cy="369332"/>
+          </a:xfrm>
+          <a:prstGeom prst="rect">
+            <a:avLst/>
+          </a:prstGeom>
+          <a:noFill/>
+        </p:spPr>
+        <p:txBody>
+          <a:bodyPr wrap="none" rtlCol="0">
+            <a:spAutoFit/>
+          </a:bodyPr>
+          <a:lstStyle/>
+          <a:p>
+            <a:r>
+              <a:rPr lang="de-DE" smtClean="0"/>
+              <a:t>x</a:t>
+            </a:r>
+            <a:endParaRPr lang="de-DE"/>
+          </a:p>
+        </p:txBody>
+      </p:sp>
+      <p:sp>
+        <p:nvSpPr>
+          <p:cNvPr id="18" name="Textfeld 17"/>
+          <p:cNvSpPr txBox="1"/>
+          <p:nvPr/>
+        </p:nvSpPr>
+        <p:spPr>
+          <a:xfrm>
+            <a:off x="5185510" y="3110139"/>
+            <a:ext cx="288862" cy="369332"/>
+          </a:xfrm>
+          <a:prstGeom prst="rect">
+            <a:avLst/>
+          </a:prstGeom>
+          <a:noFill/>
+        </p:spPr>
+        <p:txBody>
+          <a:bodyPr wrap="none" rtlCol="0">
+            <a:spAutoFit/>
+          </a:bodyPr>
+          <a:lstStyle/>
+          <a:p>
+            <a:r>
+              <a:rPr lang="de-DE" smtClean="0"/>
+              <a:t>y</a:t>
+            </a:r>
+            <a:endParaRPr lang="de-DE"/>
+          </a:p>
+        </p:txBody>
+      </p:sp>
+      <p:sp>
+        <p:nvSpPr>
+          <p:cNvPr id="19" name="Textfeld 18"/>
+          <p:cNvSpPr txBox="1"/>
+          <p:nvPr/>
+        </p:nvSpPr>
+        <p:spPr>
+          <a:xfrm>
+            <a:off x="2819281" y="2361991"/>
+            <a:ext cx="646331" cy="276999"/>
+          </a:xfrm>
+          <a:prstGeom prst="rect">
+            <a:avLst/>
+          </a:prstGeom>
+          <a:noFill/>
+        </p:spPr>
+        <p:txBody>
+          <a:bodyPr wrap="none" rtlCol="0">
+            <a:spAutoFit/>
+          </a:bodyPr>
+          <a:lstStyle/>
+          <a:p>
+            <a:r>
+              <a:rPr lang="de-DE" sz="1200" smtClean="0"/>
+              <a:t>1b2c3d</a:t>
+            </a:r>
+            <a:endParaRPr lang="de-DE" sz="1200"/>
+          </a:p>
+        </p:txBody>
+      </p:sp>
+      <p:cxnSp>
+        <p:nvCxnSpPr>
+          <p:cNvPr id="21" name="Gerade Verbindung mit Pfeil 20"/>
+          <p:cNvCxnSpPr>
+            <a:stCxn id="10" idx="0"/>
+          </p:cNvCxnSpPr>
+          <p:nvPr/>
+        </p:nvCxnSpPr>
+        <p:spPr>
+          <a:xfrm flipV="1">
+            <a:off x="307168" y="3621974"/>
+            <a:ext cx="3029798" cy="2612571"/>
+          </a:xfrm>
+          <a:prstGeom prst="straightConnector1">
+            <a:avLst/>
+          </a:prstGeom>
+          <a:ln>
+            <a:tailEnd type="triangle"/>
+          </a:ln>
+        </p:spPr>
+        <p:style>
+          <a:lnRef idx="1">
+            <a:schemeClr val="accent1"/>
+          </a:lnRef>
+          <a:fillRef idx="0">
+            <a:schemeClr val="accent1"/>
+          </a:fillRef>
+          <a:effectRef idx="0">
+            <a:schemeClr val="accent1"/>
+          </a:effectRef>
+          <a:fontRef idx="minor">
+            <a:schemeClr val="tx1"/>
+          </a:fontRef>
+        </p:style>
+      </p:cxnSp>
+      <p:sp>
+        <p:nvSpPr>
+          <p:cNvPr id="20" name="Rechteck 19"/>
+          <p:cNvSpPr/>
+          <p:nvPr/>
+        </p:nvSpPr>
+        <p:spPr>
+          <a:xfrm>
+            <a:off x="687806" y="4252564"/>
+            <a:ext cx="1104405" cy="308759"/>
+          </a:xfrm>
+          <a:prstGeom prst="rect">
+            <a:avLst/>
+          </a:prstGeom>
+        </p:spPr>
+        <p:style>
+          <a:lnRef idx="2">
+            <a:schemeClr val="accent1">
+              <a:shade val="50000"/>
+            </a:schemeClr>
+          </a:lnRef>
+          <a:fillRef idx="1">
+            <a:schemeClr val="accent1"/>
+          </a:fillRef>
+          <a:effectRef idx="0">
+            <a:schemeClr val="accent1"/>
+          </a:effectRef>
+          <a:fontRef idx="minor">
+            <a:schemeClr val="lt1"/>
+          </a:fontRef>
+        </p:style>
+        <p:txBody>
+          <a:bodyPr rtlCol="0" anchor="ctr"/>
+          <a:lstStyle/>
+          <a:p>
+            <a:pPr algn="ctr"/>
+            <a:r>
+              <a:rPr lang="de-DE"/>
+              <a:t>1b2c3d</a:t>
+            </a:r>
+          </a:p>
+        </p:txBody>
+      </p:sp>
+      <p:sp>
+        <p:nvSpPr>
+          <p:cNvPr id="22" name="Textfeld 21"/>
+          <p:cNvSpPr txBox="1"/>
+          <p:nvPr/>
+        </p:nvSpPr>
+        <p:spPr>
+          <a:xfrm>
+            <a:off x="70290" y="4252564"/>
+            <a:ext cx="306494" cy="369332"/>
+          </a:xfrm>
+          <a:prstGeom prst="rect">
+            <a:avLst/>
+          </a:prstGeom>
+          <a:noFill/>
+        </p:spPr>
+        <p:txBody>
+          <a:bodyPr wrap="none" rtlCol="0">
+            <a:spAutoFit/>
+          </a:bodyPr>
+          <a:lstStyle/>
+          <a:p>
+            <a:r>
+              <a:rPr lang="de-DE" smtClean="0"/>
+              <a:t>p</a:t>
+            </a:r>
+            <a:endParaRPr lang="de-DE"/>
+          </a:p>
+        </p:txBody>
+      </p:sp>
+      <p:cxnSp>
+        <p:nvCxnSpPr>
+          <p:cNvPr id="23" name="Gerade Verbindung mit Pfeil 22"/>
+          <p:cNvCxnSpPr>
+            <a:stCxn id="22" idx="3"/>
+          </p:cNvCxnSpPr>
+          <p:nvPr/>
+        </p:nvCxnSpPr>
+        <p:spPr>
+          <a:xfrm flipV="1">
+            <a:off x="376784" y="3481865"/>
+            <a:ext cx="2960182" cy="955365"/>
+          </a:xfrm>
+          <a:prstGeom prst="straightConnector1">
+            <a:avLst/>
+          </a:prstGeom>
+          <a:ln>
+            <a:tailEnd type="triangle"/>
+          </a:ln>
+        </p:spPr>
+        <p:style>
+          <a:lnRef idx="1">
+            <a:schemeClr val="accent1"/>
+          </a:lnRef>
+          <a:fillRef idx="0">
+            <a:schemeClr val="accent1"/>
+          </a:fillRef>
+          <a:effectRef idx="0">
+            <a:schemeClr val="accent1"/>
+          </a:effectRef>
+          <a:fontRef idx="minor">
+            <a:schemeClr val="tx1"/>
+          </a:fontRef>
+        </p:style>
+      </p:cxnSp>
+    </p:spTree>
+    <p:extLst>
+      <p:ext uri="{BB962C8B-B14F-4D97-AF65-F5344CB8AC3E}">
+        <p14:creationId xmlns:p14="http://schemas.microsoft.com/office/powerpoint/2010/main" val="3727685500"/>
+      </p:ext>
+    </p:extLst>
+  </p:cSld>
+  <p:clrMapOvr>
+    <a:masterClrMapping/>
+  </p:clrMapOvr>
+</p:sld>
+</file>
+
+<file path=ppt/slides/slide12.xml><?xml version="1.0" encoding="utf-8"?>
+<p:sld xmlns:a="http://schemas.openxmlformats.org/drawingml/2006/main" xmlns:r="http://schemas.openxmlformats.org/officeDocument/2006/relationships" xmlns:p="http://schemas.openxmlformats.org/presentationml/2006/main">
+  <p:cSld>
+    <p:spTree>
+      <p:nvGrpSpPr>
+        <p:cNvPr id="1" name=""/>
+        <p:cNvGrpSpPr/>
+        <p:nvPr/>
+      </p:nvGrpSpPr>
+      <p:grpSpPr>
+        <a:xfrm>
+          <a:off x="0" y="0"/>
+          <a:ext cx="0" cy="0"/>
+          <a:chOff x="0" y="0"/>
+          <a:chExt cx="0" cy="0"/>
+        </a:xfrm>
+      </p:grpSpPr>
+      <p:sp>
+        <p:nvSpPr>
+          <p:cNvPr id="4" name="Textfeld 3"/>
+          <p:cNvSpPr txBox="1"/>
+          <p:nvPr/>
+        </p:nvSpPr>
+        <p:spPr>
+          <a:xfrm>
+            <a:off x="7588333" y="273132"/>
+            <a:ext cx="4376391" cy="4801314"/>
+          </a:xfrm>
+          <a:prstGeom prst="rect">
+            <a:avLst/>
+          </a:prstGeom>
+          <a:noFill/>
+          <a:ln>
+            <a:solidFill>
+              <a:schemeClr val="tx1"/>
+            </a:solidFill>
+          </a:ln>
+        </p:spPr>
+        <p:txBody>
+          <a:bodyPr wrap="none" rtlCol="0">
+            <a:spAutoFit/>
+          </a:bodyPr>
+          <a:lstStyle/>
+          <a:p>
+            <a:r>
+              <a:rPr lang="de-DE" smtClean="0"/>
+              <a:t>class Planet {</a:t>
+            </a:r>
+          </a:p>
+          <a:p>
+            <a:r>
+              <a:rPr lang="de-DE" smtClean="0"/>
+              <a:t>   int x, y;</a:t>
+            </a:r>
+            <a:endParaRPr lang="de-DE"/>
+          </a:p>
+          <a:p>
+            <a:r>
+              <a:rPr lang="de-DE" smtClean="0"/>
+              <a:t>}</a:t>
+            </a:r>
+          </a:p>
+          <a:p>
+            <a:endParaRPr lang="de-DE"/>
+          </a:p>
+          <a:p>
+            <a:r>
+              <a:rPr lang="de-DE" smtClean="0"/>
+              <a:t>class Launcher {</a:t>
+            </a:r>
+          </a:p>
+          <a:p>
+            <a:r>
+              <a:rPr lang="de-DE" smtClean="0"/>
+              <a:t>   …main… {</a:t>
+            </a:r>
+          </a:p>
+          <a:p>
+            <a:r>
+              <a:rPr lang="de-DE" smtClean="0"/>
+              <a:t>      Planet erde = new Planet();</a:t>
+            </a:r>
+          </a:p>
+          <a:p>
+            <a:r>
+              <a:rPr lang="de-DE"/>
+              <a:t> </a:t>
+            </a:r>
+            <a:r>
+              <a:rPr lang="de-DE" smtClean="0"/>
+              <a:t>     System.out.println(erde.x + „ “ + erde.y);</a:t>
+            </a:r>
+            <a:endParaRPr lang="de-DE"/>
+          </a:p>
+          <a:p>
+            <a:r>
+              <a:rPr lang="de-DE" smtClean="0"/>
+              <a:t>      bewegen(erde);</a:t>
+            </a:r>
+          </a:p>
+          <a:p>
+            <a:r>
+              <a:rPr lang="de-DE" b="1" smtClean="0"/>
+              <a:t>      </a:t>
+            </a:r>
+            <a:r>
+              <a:rPr lang="de-DE" b="1"/>
+              <a:t>System.out.println(erde.x + „ “ + erde.y);</a:t>
+            </a:r>
+            <a:endParaRPr lang="de-DE" b="1" smtClean="0"/>
+          </a:p>
+          <a:p>
+            <a:r>
+              <a:rPr lang="de-DE"/>
+              <a:t> </a:t>
+            </a:r>
+            <a:r>
+              <a:rPr lang="de-DE" smtClean="0"/>
+              <a:t>  }</a:t>
+            </a:r>
+          </a:p>
+          <a:p>
+            <a:endParaRPr lang="de-DE"/>
+          </a:p>
+          <a:p>
+            <a:r>
+              <a:rPr lang="de-DE" smtClean="0"/>
+              <a:t>    static void bewegen(Planet p) {</a:t>
+            </a:r>
+          </a:p>
+          <a:p>
+            <a:r>
+              <a:rPr lang="de-DE" smtClean="0"/>
+              <a:t>         p.x = 12;</a:t>
+            </a:r>
+          </a:p>
+          <a:p>
+            <a:r>
+              <a:rPr lang="de-DE"/>
+              <a:t> </a:t>
+            </a:r>
+            <a:r>
+              <a:rPr lang="de-DE" smtClean="0"/>
+              <a:t>        p.y = 13;</a:t>
+            </a:r>
+            <a:endParaRPr lang="de-DE"/>
+          </a:p>
+          <a:p>
+            <a:r>
+              <a:rPr lang="de-DE" smtClean="0"/>
+              <a:t>    }</a:t>
+            </a:r>
+            <a:endParaRPr lang="de-DE"/>
+          </a:p>
+          <a:p>
+            <a:r>
+              <a:rPr lang="de-DE" smtClean="0"/>
+              <a:t>}</a:t>
+            </a:r>
+            <a:endParaRPr lang="de-DE"/>
+          </a:p>
+        </p:txBody>
+      </p:sp>
+      <p:cxnSp>
+        <p:nvCxnSpPr>
+          <p:cNvPr id="6" name="Gerader Verbinder 5"/>
+          <p:cNvCxnSpPr/>
+          <p:nvPr/>
+        </p:nvCxnSpPr>
+        <p:spPr>
+          <a:xfrm>
+            <a:off x="1888177" y="273132"/>
+            <a:ext cx="23751" cy="6460177"/>
+          </a:xfrm>
+          <a:prstGeom prst="line">
+            <a:avLst/>
+          </a:prstGeom>
+        </p:spPr>
+        <p:style>
+          <a:lnRef idx="1">
+            <a:schemeClr val="accent1"/>
+          </a:lnRef>
+          <a:fillRef idx="0">
+            <a:schemeClr val="accent1"/>
+          </a:fillRef>
+          <a:effectRef idx="0">
+            <a:schemeClr val="accent1"/>
+          </a:effectRef>
+          <a:fontRef idx="minor">
+            <a:schemeClr val="tx1"/>
+          </a:fontRef>
+        </p:style>
+      </p:cxnSp>
+      <p:sp>
+        <p:nvSpPr>
+          <p:cNvPr id="7" name="Textfeld 6"/>
+          <p:cNvSpPr txBox="1"/>
+          <p:nvPr/>
+        </p:nvSpPr>
+        <p:spPr>
+          <a:xfrm>
+            <a:off x="451262" y="534390"/>
+            <a:ext cx="758093" cy="369332"/>
+          </a:xfrm>
+          <a:prstGeom prst="rect">
+            <a:avLst/>
+          </a:prstGeom>
+          <a:noFill/>
+        </p:spPr>
+        <p:txBody>
+          <a:bodyPr wrap="none" rtlCol="0">
+            <a:spAutoFit/>
+          </a:bodyPr>
+          <a:lstStyle/>
+          <a:p>
+            <a:r>
+              <a:rPr lang="de-DE" smtClean="0"/>
+              <a:t>STACK</a:t>
+            </a:r>
+            <a:endParaRPr lang="de-DE"/>
+          </a:p>
+        </p:txBody>
+      </p:sp>
+      <p:sp>
+        <p:nvSpPr>
+          <p:cNvPr id="8" name="Textfeld 7"/>
+          <p:cNvSpPr txBox="1"/>
+          <p:nvPr/>
+        </p:nvSpPr>
+        <p:spPr>
+          <a:xfrm>
+            <a:off x="2910418" y="534390"/>
+            <a:ext cx="690317" cy="369332"/>
+          </a:xfrm>
+          <a:prstGeom prst="rect">
+            <a:avLst/>
+          </a:prstGeom>
+          <a:noFill/>
+        </p:spPr>
+        <p:txBody>
+          <a:bodyPr wrap="none" rtlCol="0">
+            <a:spAutoFit/>
+          </a:bodyPr>
+          <a:lstStyle/>
+          <a:p>
+            <a:r>
+              <a:rPr lang="de-DE" smtClean="0"/>
+              <a:t>HEAP</a:t>
+            </a:r>
+            <a:endParaRPr lang="de-DE"/>
+          </a:p>
+        </p:txBody>
+      </p:sp>
+      <p:sp>
+        <p:nvSpPr>
+          <p:cNvPr id="9" name="Rechteck 8"/>
+          <p:cNvSpPr/>
+          <p:nvPr/>
+        </p:nvSpPr>
+        <p:spPr>
+          <a:xfrm>
+            <a:off x="617516" y="6234545"/>
+            <a:ext cx="1104405" cy="308759"/>
+          </a:xfrm>
+          <a:prstGeom prst="rect">
+            <a:avLst/>
+          </a:prstGeom>
+        </p:spPr>
+        <p:style>
+          <a:lnRef idx="2">
+            <a:schemeClr val="accent1">
+              <a:shade val="50000"/>
+            </a:schemeClr>
+          </a:lnRef>
+          <a:fillRef idx="1">
+            <a:schemeClr val="accent1"/>
+          </a:fillRef>
+          <a:effectRef idx="0">
+            <a:schemeClr val="accent1"/>
+          </a:effectRef>
+          <a:fontRef idx="minor">
+            <a:schemeClr val="lt1"/>
+          </a:fontRef>
+        </p:style>
+        <p:txBody>
+          <a:bodyPr rtlCol="0" anchor="ctr"/>
+          <a:lstStyle/>
+          <a:p>
+            <a:pPr algn="ctr"/>
+            <a:r>
+              <a:rPr lang="de-DE"/>
+              <a:t>1b2c3d</a:t>
+            </a:r>
+          </a:p>
+        </p:txBody>
+      </p:sp>
+      <p:sp>
+        <p:nvSpPr>
+          <p:cNvPr id="10" name="Textfeld 9"/>
+          <p:cNvSpPr txBox="1"/>
+          <p:nvPr/>
+        </p:nvSpPr>
+        <p:spPr>
+          <a:xfrm>
+            <a:off x="0" y="6234545"/>
+            <a:ext cx="614335" cy="369332"/>
+          </a:xfrm>
+          <a:prstGeom prst="rect">
+            <a:avLst/>
+          </a:prstGeom>
+          <a:noFill/>
+        </p:spPr>
+        <p:txBody>
+          <a:bodyPr wrap="none" rtlCol="0">
+            <a:spAutoFit/>
+          </a:bodyPr>
+          <a:lstStyle/>
+          <a:p>
+            <a:r>
+              <a:rPr lang="de-DE" smtClean="0"/>
+              <a:t>erde</a:t>
+            </a:r>
+            <a:endParaRPr lang="de-DE"/>
+          </a:p>
+        </p:txBody>
+      </p:sp>
+      <p:sp>
+        <p:nvSpPr>
+          <p:cNvPr id="11" name="Rechteck 10"/>
+          <p:cNvSpPr/>
+          <p:nvPr/>
+        </p:nvSpPr>
+        <p:spPr>
+          <a:xfrm>
+            <a:off x="3336966" y="2612571"/>
+            <a:ext cx="1911928" cy="1009403"/>
+          </a:xfrm>
+          <a:prstGeom prst="rect">
+            <a:avLst/>
+          </a:prstGeom>
+        </p:spPr>
+        <p:style>
+          <a:lnRef idx="2">
+            <a:schemeClr val="accent1">
+              <a:shade val="50000"/>
+            </a:schemeClr>
+          </a:lnRef>
+          <a:fillRef idx="1">
+            <a:schemeClr val="accent1"/>
+          </a:fillRef>
+          <a:effectRef idx="0">
+            <a:schemeClr val="accent1"/>
+          </a:effectRef>
+          <a:fontRef idx="minor">
+            <a:schemeClr val="lt1"/>
+          </a:fontRef>
+        </p:style>
+        <p:txBody>
+          <a:bodyPr rtlCol="0" anchor="ctr"/>
+          <a:lstStyle/>
+          <a:p>
+            <a:pPr algn="ctr"/>
+            <a:endParaRPr lang="de-DE"/>
+          </a:p>
+        </p:txBody>
+      </p:sp>
+      <p:sp>
+        <p:nvSpPr>
+          <p:cNvPr id="12" name="Rechteck 11"/>
+          <p:cNvSpPr/>
+          <p:nvPr/>
+        </p:nvSpPr>
+        <p:spPr>
+          <a:xfrm>
+            <a:off x="3420094" y="2719449"/>
+            <a:ext cx="1710046" cy="380011"/>
+          </a:xfrm>
+          <a:prstGeom prst="rect">
+            <a:avLst/>
+          </a:prstGeom>
+        </p:spPr>
+        <p:style>
+          <a:lnRef idx="2">
+            <a:schemeClr val="accent1">
+              <a:shade val="50000"/>
+            </a:schemeClr>
+          </a:lnRef>
+          <a:fillRef idx="1">
+            <a:schemeClr val="accent1"/>
+          </a:fillRef>
+          <a:effectRef idx="0">
+            <a:schemeClr val="accent1"/>
+          </a:effectRef>
+          <a:fontRef idx="minor">
+            <a:schemeClr val="lt1"/>
+          </a:fontRef>
+        </p:style>
+        <p:txBody>
+          <a:bodyPr rtlCol="0" anchor="ctr"/>
+          <a:lstStyle/>
+          <a:p>
+            <a:pPr algn="ctr"/>
+            <a:r>
+              <a:rPr lang="de-DE" smtClean="0">
+                <a:solidFill>
+                  <a:schemeClr val="bg1"/>
+                </a:solidFill>
+              </a:rPr>
+              <a:t>12</a:t>
+            </a:r>
+            <a:endParaRPr lang="de-DE">
+              <a:solidFill>
+                <a:schemeClr val="bg1"/>
+              </a:solidFill>
+            </a:endParaRPr>
+          </a:p>
+        </p:txBody>
+      </p:sp>
+      <p:sp>
+        <p:nvSpPr>
+          <p:cNvPr id="13" name="Rechteck 12"/>
+          <p:cNvSpPr/>
+          <p:nvPr/>
+        </p:nvSpPr>
+        <p:spPr>
+          <a:xfrm>
+            <a:off x="3420094" y="3099460"/>
+            <a:ext cx="1710046" cy="380011"/>
+          </a:xfrm>
+          <a:prstGeom prst="rect">
+            <a:avLst/>
+          </a:prstGeom>
+        </p:spPr>
+        <p:style>
+          <a:lnRef idx="2">
+            <a:schemeClr val="accent1">
+              <a:shade val="50000"/>
+            </a:schemeClr>
+          </a:lnRef>
+          <a:fillRef idx="1">
+            <a:schemeClr val="accent1"/>
+          </a:fillRef>
+          <a:effectRef idx="0">
+            <a:schemeClr val="accent1"/>
+          </a:effectRef>
+          <a:fontRef idx="minor">
+            <a:schemeClr val="lt1"/>
+          </a:fontRef>
+        </p:style>
+        <p:txBody>
+          <a:bodyPr rtlCol="0" anchor="ctr"/>
+          <a:lstStyle/>
+          <a:p>
+            <a:pPr algn="ctr"/>
+            <a:r>
+              <a:rPr lang="de-DE" smtClean="0">
+                <a:solidFill>
+                  <a:schemeClr val="bg1"/>
+                </a:solidFill>
+              </a:rPr>
+              <a:t>13</a:t>
+            </a:r>
+            <a:endParaRPr lang="de-DE">
+              <a:solidFill>
+                <a:schemeClr val="bg1"/>
+              </a:solidFill>
+            </a:endParaRPr>
+          </a:p>
+        </p:txBody>
+      </p:sp>
+      <p:sp>
+        <p:nvSpPr>
+          <p:cNvPr id="14" name="Textfeld 13"/>
+          <p:cNvSpPr txBox="1"/>
+          <p:nvPr/>
+        </p:nvSpPr>
+        <p:spPr>
+          <a:xfrm>
+            <a:off x="4405745" y="2149434"/>
+            <a:ext cx="779765" cy="369332"/>
+          </a:xfrm>
+          <a:prstGeom prst="rect">
+            <a:avLst/>
+          </a:prstGeom>
+          <a:noFill/>
+        </p:spPr>
+        <p:txBody>
+          <a:bodyPr wrap="none" rtlCol="0">
+            <a:spAutoFit/>
+          </a:bodyPr>
+          <a:lstStyle/>
+          <a:p>
+            <a:r>
+              <a:rPr lang="de-DE" smtClean="0"/>
+              <a:t>Planet</a:t>
+            </a:r>
+            <a:endParaRPr lang="de-DE"/>
+          </a:p>
+        </p:txBody>
+      </p:sp>
+      <p:sp>
+        <p:nvSpPr>
+          <p:cNvPr id="15" name="Textfeld 14"/>
+          <p:cNvSpPr txBox="1"/>
+          <p:nvPr/>
+        </p:nvSpPr>
+        <p:spPr>
+          <a:xfrm>
+            <a:off x="3084229" y="2752681"/>
+            <a:ext cx="434221" cy="369332"/>
+          </a:xfrm>
+          <a:prstGeom prst="rect">
+            <a:avLst/>
+          </a:prstGeom>
+          <a:noFill/>
+        </p:spPr>
+        <p:txBody>
+          <a:bodyPr wrap="none" rtlCol="0">
+            <a:spAutoFit/>
+          </a:bodyPr>
+          <a:lstStyle/>
+          <a:p>
+            <a:r>
+              <a:rPr lang="de-DE" smtClean="0"/>
+              <a:t>int</a:t>
+            </a:r>
+            <a:endParaRPr lang="de-DE"/>
+          </a:p>
+        </p:txBody>
+      </p:sp>
+      <p:sp>
+        <p:nvSpPr>
+          <p:cNvPr id="16" name="Textfeld 15"/>
+          <p:cNvSpPr txBox="1"/>
+          <p:nvPr/>
+        </p:nvSpPr>
+        <p:spPr>
+          <a:xfrm>
+            <a:off x="3076615" y="3097066"/>
+            <a:ext cx="434221" cy="369332"/>
+          </a:xfrm>
+          <a:prstGeom prst="rect">
+            <a:avLst/>
+          </a:prstGeom>
+          <a:noFill/>
+        </p:spPr>
+        <p:txBody>
+          <a:bodyPr wrap="none" rtlCol="0">
+            <a:spAutoFit/>
+          </a:bodyPr>
+          <a:lstStyle/>
+          <a:p>
+            <a:r>
+              <a:rPr lang="de-DE" smtClean="0"/>
+              <a:t>int</a:t>
+            </a:r>
+            <a:endParaRPr lang="de-DE"/>
+          </a:p>
+        </p:txBody>
+      </p:sp>
+      <p:sp>
+        <p:nvSpPr>
+          <p:cNvPr id="17" name="Textfeld 16"/>
+          <p:cNvSpPr txBox="1"/>
+          <p:nvPr/>
+        </p:nvSpPr>
+        <p:spPr>
+          <a:xfrm>
+            <a:off x="5185510" y="2727734"/>
+            <a:ext cx="284052" cy="369332"/>
+          </a:xfrm>
+          <a:prstGeom prst="rect">
+            <a:avLst/>
+          </a:prstGeom>
+          <a:noFill/>
+        </p:spPr>
+        <p:txBody>
+          <a:bodyPr wrap="none" rtlCol="0">
+            <a:spAutoFit/>
+          </a:bodyPr>
+          <a:lstStyle/>
+          <a:p>
+            <a:r>
+              <a:rPr lang="de-DE" smtClean="0"/>
+              <a:t>x</a:t>
+            </a:r>
+            <a:endParaRPr lang="de-DE"/>
+          </a:p>
+        </p:txBody>
+      </p:sp>
+      <p:sp>
+        <p:nvSpPr>
+          <p:cNvPr id="18" name="Textfeld 17"/>
+          <p:cNvSpPr txBox="1"/>
+          <p:nvPr/>
+        </p:nvSpPr>
+        <p:spPr>
+          <a:xfrm>
+            <a:off x="5185510" y="3110139"/>
+            <a:ext cx="288862" cy="369332"/>
+          </a:xfrm>
+          <a:prstGeom prst="rect">
+            <a:avLst/>
+          </a:prstGeom>
+          <a:noFill/>
+        </p:spPr>
+        <p:txBody>
+          <a:bodyPr wrap="none" rtlCol="0">
+            <a:spAutoFit/>
+          </a:bodyPr>
+          <a:lstStyle/>
+          <a:p>
+            <a:r>
+              <a:rPr lang="de-DE" smtClean="0"/>
+              <a:t>y</a:t>
+            </a:r>
+            <a:endParaRPr lang="de-DE"/>
+          </a:p>
+        </p:txBody>
+      </p:sp>
+      <p:sp>
+        <p:nvSpPr>
+          <p:cNvPr id="19" name="Textfeld 18"/>
+          <p:cNvSpPr txBox="1"/>
+          <p:nvPr/>
+        </p:nvSpPr>
+        <p:spPr>
+          <a:xfrm>
+            <a:off x="2819281" y="2361991"/>
+            <a:ext cx="646331" cy="276999"/>
+          </a:xfrm>
+          <a:prstGeom prst="rect">
+            <a:avLst/>
+          </a:prstGeom>
+          <a:noFill/>
+        </p:spPr>
+        <p:txBody>
+          <a:bodyPr wrap="none" rtlCol="0">
+            <a:spAutoFit/>
+          </a:bodyPr>
+          <a:lstStyle/>
+          <a:p>
+            <a:r>
+              <a:rPr lang="de-DE" sz="1200" smtClean="0"/>
+              <a:t>1b2c3d</a:t>
+            </a:r>
+            <a:endParaRPr lang="de-DE" sz="1200"/>
+          </a:p>
+        </p:txBody>
+      </p:sp>
+      <p:cxnSp>
+        <p:nvCxnSpPr>
+          <p:cNvPr id="21" name="Gerade Verbindung mit Pfeil 20"/>
+          <p:cNvCxnSpPr>
+            <a:stCxn id="10" idx="0"/>
+          </p:cNvCxnSpPr>
+          <p:nvPr/>
+        </p:nvCxnSpPr>
+        <p:spPr>
+          <a:xfrm flipV="1">
+            <a:off x="307168" y="3621974"/>
+            <a:ext cx="3029798" cy="2612571"/>
+          </a:xfrm>
+          <a:prstGeom prst="straightConnector1">
+            <a:avLst/>
+          </a:prstGeom>
+          <a:ln>
+            <a:tailEnd type="triangle"/>
+          </a:ln>
+        </p:spPr>
+        <p:style>
+          <a:lnRef idx="1">
+            <a:schemeClr val="accent1"/>
+          </a:lnRef>
+          <a:fillRef idx="0">
+            <a:schemeClr val="accent1"/>
+          </a:fillRef>
+          <a:effectRef idx="0">
+            <a:schemeClr val="accent1"/>
+          </a:effectRef>
+          <a:fontRef idx="minor">
+            <a:schemeClr val="tx1"/>
+          </a:fontRef>
+        </p:style>
+      </p:cxnSp>
+    </p:spTree>
+    <p:extLst>
+      <p:ext uri="{BB962C8B-B14F-4D97-AF65-F5344CB8AC3E}">
+        <p14:creationId xmlns:p14="http://schemas.microsoft.com/office/powerpoint/2010/main" val="4004937886"/>
+      </p:ext>
+    </p:extLst>
+  </p:cSld>
+  <p:clrMapOvr>
+    <a:masterClrMapping/>
+  </p:clrMapOvr>
+</p:sld>
+</file>
+
 <file path=ppt/slides/slide2.xml><?xml version="1.0" encoding="utf-8"?>
 <p:sld xmlns:a="http://schemas.openxmlformats.org/drawingml/2006/main" xmlns:r="http://schemas.openxmlformats.org/officeDocument/2006/relationships" xmlns:p="http://schemas.openxmlformats.org/presentationml/2006/main">
   <p:cSld>
@@ -4516,13 +6823,8 @@
             </a:pPr>
             <a:r>
               <a:rPr lang="de-DE" smtClean="0"/>
-              <a:t>alle Attribute mit den passenden </a:t>
-            </a:r>
-            <a:r>
-              <a:rPr lang="de-DE" smtClean="0"/>
-              <a:t>Nullwerten initialisieren.</a:t>
-            </a:r>
-            <a:endParaRPr lang="de-DE" smtClean="0"/>
+              <a:t>alle Attribute mit den passenden Nullwerten initialisieren.</a:t>
+            </a:r>
           </a:p>
           <a:p>
             <a:pPr marL="342900" indent="-342900">
@@ -5306,13 +7608,8 @@
             </a:pPr>
             <a:r>
               <a:rPr lang="de-DE" smtClean="0"/>
-              <a:t>alle Attribute mit den passenden </a:t>
-            </a:r>
-            <a:r>
-              <a:rPr lang="de-DE" smtClean="0"/>
-              <a:t>Nullwerten initialisieren.</a:t>
-            </a:r>
-            <a:endParaRPr lang="de-DE" smtClean="0"/>
+              <a:t>alle Attribute mit den passenden Nullwerten initialisieren.</a:t>
+            </a:r>
           </a:p>
           <a:p>
             <a:pPr marL="342900" indent="-342900">
@@ -8859,6 +11156,768 @@
     <p:extLst>
       <p:ext uri="{BB962C8B-B14F-4D97-AF65-F5344CB8AC3E}">
         <p14:creationId xmlns:p14="http://schemas.microsoft.com/office/powerpoint/2010/main" val="929505789"/>
+      </p:ext>
+    </p:extLst>
+  </p:cSld>
+  <p:clrMapOvr>
+    <a:masterClrMapping/>
+  </p:clrMapOvr>
+</p:sld>
+</file>
+
+<file path=ppt/slides/slide8.xml><?xml version="1.0" encoding="utf-8"?>
+<p:sld xmlns:a="http://schemas.openxmlformats.org/drawingml/2006/main" xmlns:r="http://schemas.openxmlformats.org/officeDocument/2006/relationships" xmlns:p="http://schemas.openxmlformats.org/presentationml/2006/main">
+  <p:cSld>
+    <p:spTree>
+      <p:nvGrpSpPr>
+        <p:cNvPr id="1" name=""/>
+        <p:cNvGrpSpPr/>
+        <p:nvPr/>
+      </p:nvGrpSpPr>
+      <p:grpSpPr>
+        <a:xfrm>
+          <a:off x="0" y="0"/>
+          <a:ext cx="0" cy="0"/>
+          <a:chOff x="0" y="0"/>
+          <a:chExt cx="0" cy="0"/>
+        </a:xfrm>
+      </p:grpSpPr>
+      <p:sp>
+        <p:nvSpPr>
+          <p:cNvPr id="2" name="Titel 1"/>
+          <p:cNvSpPr>
+            <a:spLocks noGrp="1"/>
+          </p:cNvSpPr>
+          <p:nvPr>
+            <p:ph type="title"/>
+          </p:nvPr>
+        </p:nvSpPr>
+        <p:spPr/>
+        <p:txBody>
+          <a:bodyPr/>
+          <a:lstStyle/>
+          <a:p>
+            <a:r>
+              <a:rPr lang="de-DE" smtClean="0"/>
+              <a:t>Noch ein Beispiel</a:t>
+            </a:r>
+            <a:endParaRPr lang="de-DE"/>
+          </a:p>
+        </p:txBody>
+      </p:sp>
+      <p:sp>
+        <p:nvSpPr>
+          <p:cNvPr id="3" name="Inhaltsplatzhalter 2"/>
+          <p:cNvSpPr>
+            <a:spLocks noGrp="1"/>
+          </p:cNvSpPr>
+          <p:nvPr>
+            <p:ph idx="1"/>
+          </p:nvPr>
+        </p:nvSpPr>
+        <p:spPr/>
+        <p:txBody>
+          <a:bodyPr/>
+          <a:lstStyle/>
+          <a:p>
+            <a:endParaRPr lang="de-DE"/>
+          </a:p>
+        </p:txBody>
+      </p:sp>
+    </p:spTree>
+    <p:extLst>
+      <p:ext uri="{BB962C8B-B14F-4D97-AF65-F5344CB8AC3E}">
+        <p14:creationId xmlns:p14="http://schemas.microsoft.com/office/powerpoint/2010/main" val="1476926099"/>
+      </p:ext>
+    </p:extLst>
+  </p:cSld>
+  <p:clrMapOvr>
+    <a:masterClrMapping/>
+  </p:clrMapOvr>
+</p:sld>
+</file>
+
+<file path=ppt/slides/slide9.xml><?xml version="1.0" encoding="utf-8"?>
+<p:sld xmlns:a="http://schemas.openxmlformats.org/drawingml/2006/main" xmlns:r="http://schemas.openxmlformats.org/officeDocument/2006/relationships" xmlns:p="http://schemas.openxmlformats.org/presentationml/2006/main">
+  <p:cSld>
+    <p:spTree>
+      <p:nvGrpSpPr>
+        <p:cNvPr id="1" name=""/>
+        <p:cNvGrpSpPr/>
+        <p:nvPr/>
+      </p:nvGrpSpPr>
+      <p:grpSpPr>
+        <a:xfrm>
+          <a:off x="0" y="0"/>
+          <a:ext cx="0" cy="0"/>
+          <a:chOff x="0" y="0"/>
+          <a:chExt cx="0" cy="0"/>
+        </a:xfrm>
+      </p:grpSpPr>
+      <p:sp>
+        <p:nvSpPr>
+          <p:cNvPr id="4" name="Textfeld 3"/>
+          <p:cNvSpPr txBox="1"/>
+          <p:nvPr/>
+        </p:nvSpPr>
+        <p:spPr>
+          <a:xfrm>
+            <a:off x="7588333" y="273132"/>
+            <a:ext cx="4291752" cy="4801314"/>
+          </a:xfrm>
+          <a:prstGeom prst="rect">
+            <a:avLst/>
+          </a:prstGeom>
+          <a:noFill/>
+          <a:ln>
+            <a:solidFill>
+              <a:schemeClr val="tx1"/>
+            </a:solidFill>
+          </a:ln>
+        </p:spPr>
+        <p:txBody>
+          <a:bodyPr wrap="none" rtlCol="0">
+            <a:spAutoFit/>
+          </a:bodyPr>
+          <a:lstStyle/>
+          <a:p>
+            <a:r>
+              <a:rPr lang="de-DE" smtClean="0"/>
+              <a:t>class Planet {</a:t>
+            </a:r>
+          </a:p>
+          <a:p>
+            <a:r>
+              <a:rPr lang="de-DE" smtClean="0"/>
+              <a:t>   int x, y;</a:t>
+            </a:r>
+            <a:endParaRPr lang="de-DE"/>
+          </a:p>
+          <a:p>
+            <a:r>
+              <a:rPr lang="de-DE" smtClean="0"/>
+              <a:t>}</a:t>
+            </a:r>
+          </a:p>
+          <a:p>
+            <a:endParaRPr lang="de-DE"/>
+          </a:p>
+          <a:p>
+            <a:r>
+              <a:rPr lang="de-DE" smtClean="0"/>
+              <a:t>class Launcher {</a:t>
+            </a:r>
+          </a:p>
+          <a:p>
+            <a:r>
+              <a:rPr lang="de-DE" smtClean="0"/>
+              <a:t>   …main… {</a:t>
+            </a:r>
+          </a:p>
+          <a:p>
+            <a:r>
+              <a:rPr lang="de-DE" smtClean="0"/>
+              <a:t>      </a:t>
+            </a:r>
+            <a:r>
+              <a:rPr lang="de-DE" b="1" smtClean="0"/>
+              <a:t>Planet erde = new Planet()</a:t>
+            </a:r>
+            <a:r>
+              <a:rPr lang="de-DE" smtClean="0"/>
+              <a:t>;</a:t>
+            </a:r>
+          </a:p>
+          <a:p>
+            <a:r>
+              <a:rPr lang="de-DE"/>
+              <a:t> </a:t>
+            </a:r>
+            <a:r>
+              <a:rPr lang="de-DE" smtClean="0"/>
+              <a:t>     System.out.println(erde.x + „ “ + erde.y);</a:t>
+            </a:r>
+            <a:endParaRPr lang="de-DE"/>
+          </a:p>
+          <a:p>
+            <a:r>
+              <a:rPr lang="de-DE" smtClean="0"/>
+              <a:t>      bewegen(erde);</a:t>
+            </a:r>
+          </a:p>
+          <a:p>
+            <a:r>
+              <a:rPr lang="de-DE" smtClean="0"/>
+              <a:t>      </a:t>
+            </a:r>
+            <a:r>
+              <a:rPr lang="de-DE"/>
+              <a:t>System.out.println(erde.x + „ “ + erde.y);</a:t>
+            </a:r>
+            <a:endParaRPr lang="de-DE" smtClean="0"/>
+          </a:p>
+          <a:p>
+            <a:r>
+              <a:rPr lang="de-DE"/>
+              <a:t> </a:t>
+            </a:r>
+            <a:r>
+              <a:rPr lang="de-DE" smtClean="0"/>
+              <a:t>  }</a:t>
+            </a:r>
+          </a:p>
+          <a:p>
+            <a:endParaRPr lang="de-DE"/>
+          </a:p>
+          <a:p>
+            <a:r>
+              <a:rPr lang="de-DE" smtClean="0"/>
+              <a:t>    static void bewegen(Planet p) {</a:t>
+            </a:r>
+          </a:p>
+          <a:p>
+            <a:r>
+              <a:rPr lang="de-DE" smtClean="0"/>
+              <a:t>         p.x = 12;</a:t>
+            </a:r>
+          </a:p>
+          <a:p>
+            <a:r>
+              <a:rPr lang="de-DE"/>
+              <a:t> </a:t>
+            </a:r>
+            <a:r>
+              <a:rPr lang="de-DE" smtClean="0"/>
+              <a:t>        p.y = 13;</a:t>
+            </a:r>
+            <a:endParaRPr lang="de-DE"/>
+          </a:p>
+          <a:p>
+            <a:r>
+              <a:rPr lang="de-DE" smtClean="0"/>
+              <a:t>    }</a:t>
+            </a:r>
+            <a:endParaRPr lang="de-DE"/>
+          </a:p>
+          <a:p>
+            <a:r>
+              <a:rPr lang="de-DE" smtClean="0"/>
+              <a:t>}</a:t>
+            </a:r>
+            <a:endParaRPr lang="de-DE"/>
+          </a:p>
+        </p:txBody>
+      </p:sp>
+      <p:cxnSp>
+        <p:nvCxnSpPr>
+          <p:cNvPr id="6" name="Gerader Verbinder 5"/>
+          <p:cNvCxnSpPr/>
+          <p:nvPr/>
+        </p:nvCxnSpPr>
+        <p:spPr>
+          <a:xfrm>
+            <a:off x="1888177" y="273132"/>
+            <a:ext cx="23751" cy="6460177"/>
+          </a:xfrm>
+          <a:prstGeom prst="line">
+            <a:avLst/>
+          </a:prstGeom>
+        </p:spPr>
+        <p:style>
+          <a:lnRef idx="1">
+            <a:schemeClr val="accent1"/>
+          </a:lnRef>
+          <a:fillRef idx="0">
+            <a:schemeClr val="accent1"/>
+          </a:fillRef>
+          <a:effectRef idx="0">
+            <a:schemeClr val="accent1"/>
+          </a:effectRef>
+          <a:fontRef idx="minor">
+            <a:schemeClr val="tx1"/>
+          </a:fontRef>
+        </p:style>
+      </p:cxnSp>
+      <p:sp>
+        <p:nvSpPr>
+          <p:cNvPr id="7" name="Textfeld 6"/>
+          <p:cNvSpPr txBox="1"/>
+          <p:nvPr/>
+        </p:nvSpPr>
+        <p:spPr>
+          <a:xfrm>
+            <a:off x="451262" y="534390"/>
+            <a:ext cx="758093" cy="369332"/>
+          </a:xfrm>
+          <a:prstGeom prst="rect">
+            <a:avLst/>
+          </a:prstGeom>
+          <a:noFill/>
+        </p:spPr>
+        <p:txBody>
+          <a:bodyPr wrap="none" rtlCol="0">
+            <a:spAutoFit/>
+          </a:bodyPr>
+          <a:lstStyle/>
+          <a:p>
+            <a:r>
+              <a:rPr lang="de-DE" smtClean="0"/>
+              <a:t>STACK</a:t>
+            </a:r>
+            <a:endParaRPr lang="de-DE"/>
+          </a:p>
+        </p:txBody>
+      </p:sp>
+      <p:sp>
+        <p:nvSpPr>
+          <p:cNvPr id="8" name="Textfeld 7"/>
+          <p:cNvSpPr txBox="1"/>
+          <p:nvPr/>
+        </p:nvSpPr>
+        <p:spPr>
+          <a:xfrm>
+            <a:off x="2910418" y="534390"/>
+            <a:ext cx="690317" cy="369332"/>
+          </a:xfrm>
+          <a:prstGeom prst="rect">
+            <a:avLst/>
+          </a:prstGeom>
+          <a:noFill/>
+        </p:spPr>
+        <p:txBody>
+          <a:bodyPr wrap="none" rtlCol="0">
+            <a:spAutoFit/>
+          </a:bodyPr>
+          <a:lstStyle/>
+          <a:p>
+            <a:r>
+              <a:rPr lang="de-DE" smtClean="0"/>
+              <a:t>HEAP</a:t>
+            </a:r>
+            <a:endParaRPr lang="de-DE"/>
+          </a:p>
+        </p:txBody>
+      </p:sp>
+      <p:sp>
+        <p:nvSpPr>
+          <p:cNvPr id="9" name="Rechteck 8"/>
+          <p:cNvSpPr/>
+          <p:nvPr/>
+        </p:nvSpPr>
+        <p:spPr>
+          <a:xfrm>
+            <a:off x="617516" y="6234545"/>
+            <a:ext cx="1104405" cy="308759"/>
+          </a:xfrm>
+          <a:prstGeom prst="rect">
+            <a:avLst/>
+          </a:prstGeom>
+        </p:spPr>
+        <p:style>
+          <a:lnRef idx="2">
+            <a:schemeClr val="accent1">
+              <a:shade val="50000"/>
+            </a:schemeClr>
+          </a:lnRef>
+          <a:fillRef idx="1">
+            <a:schemeClr val="accent1"/>
+          </a:fillRef>
+          <a:effectRef idx="0">
+            <a:schemeClr val="accent1"/>
+          </a:effectRef>
+          <a:fontRef idx="minor">
+            <a:schemeClr val="lt1"/>
+          </a:fontRef>
+        </p:style>
+        <p:txBody>
+          <a:bodyPr rtlCol="0" anchor="ctr"/>
+          <a:lstStyle/>
+          <a:p>
+            <a:pPr algn="ctr"/>
+            <a:r>
+              <a:rPr lang="de-DE"/>
+              <a:t>1b2c3d</a:t>
+            </a:r>
+          </a:p>
+        </p:txBody>
+      </p:sp>
+      <p:sp>
+        <p:nvSpPr>
+          <p:cNvPr id="10" name="Textfeld 9"/>
+          <p:cNvSpPr txBox="1"/>
+          <p:nvPr/>
+        </p:nvSpPr>
+        <p:spPr>
+          <a:xfrm>
+            <a:off x="0" y="6234545"/>
+            <a:ext cx="614335" cy="369332"/>
+          </a:xfrm>
+          <a:prstGeom prst="rect">
+            <a:avLst/>
+          </a:prstGeom>
+          <a:noFill/>
+        </p:spPr>
+        <p:txBody>
+          <a:bodyPr wrap="none" rtlCol="0">
+            <a:spAutoFit/>
+          </a:bodyPr>
+          <a:lstStyle/>
+          <a:p>
+            <a:r>
+              <a:rPr lang="de-DE" smtClean="0"/>
+              <a:t>erde</a:t>
+            </a:r>
+            <a:endParaRPr lang="de-DE"/>
+          </a:p>
+        </p:txBody>
+      </p:sp>
+      <p:sp>
+        <p:nvSpPr>
+          <p:cNvPr id="11" name="Rechteck 10"/>
+          <p:cNvSpPr/>
+          <p:nvPr/>
+        </p:nvSpPr>
+        <p:spPr>
+          <a:xfrm>
+            <a:off x="3336966" y="2612571"/>
+            <a:ext cx="1911928" cy="1009403"/>
+          </a:xfrm>
+          <a:prstGeom prst="rect">
+            <a:avLst/>
+          </a:prstGeom>
+        </p:spPr>
+        <p:style>
+          <a:lnRef idx="2">
+            <a:schemeClr val="accent1">
+              <a:shade val="50000"/>
+            </a:schemeClr>
+          </a:lnRef>
+          <a:fillRef idx="1">
+            <a:schemeClr val="accent1"/>
+          </a:fillRef>
+          <a:effectRef idx="0">
+            <a:schemeClr val="accent1"/>
+          </a:effectRef>
+          <a:fontRef idx="minor">
+            <a:schemeClr val="lt1"/>
+          </a:fontRef>
+        </p:style>
+        <p:txBody>
+          <a:bodyPr rtlCol="0" anchor="ctr"/>
+          <a:lstStyle/>
+          <a:p>
+            <a:pPr algn="ctr"/>
+            <a:endParaRPr lang="de-DE"/>
+          </a:p>
+        </p:txBody>
+      </p:sp>
+      <p:sp>
+        <p:nvSpPr>
+          <p:cNvPr id="12" name="Rechteck 11"/>
+          <p:cNvSpPr/>
+          <p:nvPr/>
+        </p:nvSpPr>
+        <p:spPr>
+          <a:xfrm>
+            <a:off x="3420094" y="2719449"/>
+            <a:ext cx="1710046" cy="380011"/>
+          </a:xfrm>
+          <a:prstGeom prst="rect">
+            <a:avLst/>
+          </a:prstGeom>
+        </p:spPr>
+        <p:style>
+          <a:lnRef idx="2">
+            <a:schemeClr val="accent1">
+              <a:shade val="50000"/>
+            </a:schemeClr>
+          </a:lnRef>
+          <a:fillRef idx="1">
+            <a:schemeClr val="accent1"/>
+          </a:fillRef>
+          <a:effectRef idx="0">
+            <a:schemeClr val="accent1"/>
+          </a:effectRef>
+          <a:fontRef idx="minor">
+            <a:schemeClr val="lt1"/>
+          </a:fontRef>
+        </p:style>
+        <p:txBody>
+          <a:bodyPr rtlCol="0" anchor="ctr"/>
+          <a:lstStyle/>
+          <a:p>
+            <a:pPr algn="ctr"/>
+            <a:r>
+              <a:rPr lang="de-DE" smtClean="0"/>
+              <a:t>0</a:t>
+            </a:r>
+            <a:endParaRPr lang="de-DE"/>
+          </a:p>
+        </p:txBody>
+      </p:sp>
+      <p:sp>
+        <p:nvSpPr>
+          <p:cNvPr id="13" name="Rechteck 12"/>
+          <p:cNvSpPr/>
+          <p:nvPr/>
+        </p:nvSpPr>
+        <p:spPr>
+          <a:xfrm>
+            <a:off x="3420094" y="3099460"/>
+            <a:ext cx="1710046" cy="380011"/>
+          </a:xfrm>
+          <a:prstGeom prst="rect">
+            <a:avLst/>
+          </a:prstGeom>
+        </p:spPr>
+        <p:style>
+          <a:lnRef idx="2">
+            <a:schemeClr val="accent1">
+              <a:shade val="50000"/>
+            </a:schemeClr>
+          </a:lnRef>
+          <a:fillRef idx="1">
+            <a:schemeClr val="accent1"/>
+          </a:fillRef>
+          <a:effectRef idx="0">
+            <a:schemeClr val="accent1"/>
+          </a:effectRef>
+          <a:fontRef idx="minor">
+            <a:schemeClr val="lt1"/>
+          </a:fontRef>
+        </p:style>
+        <p:txBody>
+          <a:bodyPr rtlCol="0" anchor="ctr"/>
+          <a:lstStyle/>
+          <a:p>
+            <a:pPr algn="ctr"/>
+            <a:r>
+              <a:rPr lang="de-DE" smtClean="0"/>
+              <a:t>0</a:t>
+            </a:r>
+            <a:endParaRPr lang="de-DE"/>
+          </a:p>
+        </p:txBody>
+      </p:sp>
+      <p:sp>
+        <p:nvSpPr>
+          <p:cNvPr id="14" name="Textfeld 13"/>
+          <p:cNvSpPr txBox="1"/>
+          <p:nvPr/>
+        </p:nvSpPr>
+        <p:spPr>
+          <a:xfrm>
+            <a:off x="4405745" y="2149434"/>
+            <a:ext cx="779765" cy="369332"/>
+          </a:xfrm>
+          <a:prstGeom prst="rect">
+            <a:avLst/>
+          </a:prstGeom>
+          <a:noFill/>
+        </p:spPr>
+        <p:txBody>
+          <a:bodyPr wrap="none" rtlCol="0">
+            <a:spAutoFit/>
+          </a:bodyPr>
+          <a:lstStyle/>
+          <a:p>
+            <a:r>
+              <a:rPr lang="de-DE" smtClean="0"/>
+              <a:t>Planet</a:t>
+            </a:r>
+            <a:endParaRPr lang="de-DE"/>
+          </a:p>
+        </p:txBody>
+      </p:sp>
+      <p:sp>
+        <p:nvSpPr>
+          <p:cNvPr id="15" name="Textfeld 14"/>
+          <p:cNvSpPr txBox="1"/>
+          <p:nvPr/>
+        </p:nvSpPr>
+        <p:spPr>
+          <a:xfrm>
+            <a:off x="3084229" y="2752681"/>
+            <a:ext cx="434221" cy="369332"/>
+          </a:xfrm>
+          <a:prstGeom prst="rect">
+            <a:avLst/>
+          </a:prstGeom>
+          <a:noFill/>
+        </p:spPr>
+        <p:txBody>
+          <a:bodyPr wrap="none" rtlCol="0">
+            <a:spAutoFit/>
+          </a:bodyPr>
+          <a:lstStyle/>
+          <a:p>
+            <a:r>
+              <a:rPr lang="de-DE" smtClean="0"/>
+              <a:t>int</a:t>
+            </a:r>
+            <a:endParaRPr lang="de-DE"/>
+          </a:p>
+        </p:txBody>
+      </p:sp>
+      <p:sp>
+        <p:nvSpPr>
+          <p:cNvPr id="16" name="Textfeld 15"/>
+          <p:cNvSpPr txBox="1"/>
+          <p:nvPr/>
+        </p:nvSpPr>
+        <p:spPr>
+          <a:xfrm>
+            <a:off x="3076615" y="3097066"/>
+            <a:ext cx="434221" cy="369332"/>
+          </a:xfrm>
+          <a:prstGeom prst="rect">
+            <a:avLst/>
+          </a:prstGeom>
+          <a:noFill/>
+        </p:spPr>
+        <p:txBody>
+          <a:bodyPr wrap="none" rtlCol="0">
+            <a:spAutoFit/>
+          </a:bodyPr>
+          <a:lstStyle/>
+          <a:p>
+            <a:r>
+              <a:rPr lang="de-DE" smtClean="0"/>
+              <a:t>int</a:t>
+            </a:r>
+            <a:endParaRPr lang="de-DE"/>
+          </a:p>
+        </p:txBody>
+      </p:sp>
+      <p:sp>
+        <p:nvSpPr>
+          <p:cNvPr id="17" name="Textfeld 16"/>
+          <p:cNvSpPr txBox="1"/>
+          <p:nvPr/>
+        </p:nvSpPr>
+        <p:spPr>
+          <a:xfrm>
+            <a:off x="5185510" y="2727734"/>
+            <a:ext cx="284052" cy="369332"/>
+          </a:xfrm>
+          <a:prstGeom prst="rect">
+            <a:avLst/>
+          </a:prstGeom>
+          <a:noFill/>
+        </p:spPr>
+        <p:txBody>
+          <a:bodyPr wrap="none" rtlCol="0">
+            <a:spAutoFit/>
+          </a:bodyPr>
+          <a:lstStyle/>
+          <a:p>
+            <a:r>
+              <a:rPr lang="de-DE" smtClean="0"/>
+              <a:t>x</a:t>
+            </a:r>
+            <a:endParaRPr lang="de-DE"/>
+          </a:p>
+        </p:txBody>
+      </p:sp>
+      <p:sp>
+        <p:nvSpPr>
+          <p:cNvPr id="18" name="Textfeld 17"/>
+          <p:cNvSpPr txBox="1"/>
+          <p:nvPr/>
+        </p:nvSpPr>
+        <p:spPr>
+          <a:xfrm>
+            <a:off x="5185510" y="3110139"/>
+            <a:ext cx="288862" cy="369332"/>
+          </a:xfrm>
+          <a:prstGeom prst="rect">
+            <a:avLst/>
+          </a:prstGeom>
+          <a:noFill/>
+        </p:spPr>
+        <p:txBody>
+          <a:bodyPr wrap="none" rtlCol="0">
+            <a:spAutoFit/>
+          </a:bodyPr>
+          <a:lstStyle/>
+          <a:p>
+            <a:r>
+              <a:rPr lang="de-DE" smtClean="0"/>
+              <a:t>y</a:t>
+            </a:r>
+            <a:endParaRPr lang="de-DE"/>
+          </a:p>
+        </p:txBody>
+      </p:sp>
+      <p:sp>
+        <p:nvSpPr>
+          <p:cNvPr id="19" name="Textfeld 18"/>
+          <p:cNvSpPr txBox="1"/>
+          <p:nvPr/>
+        </p:nvSpPr>
+        <p:spPr>
+          <a:xfrm>
+            <a:off x="2819281" y="2361991"/>
+            <a:ext cx="646331" cy="276999"/>
+          </a:xfrm>
+          <a:prstGeom prst="rect">
+            <a:avLst/>
+          </a:prstGeom>
+          <a:noFill/>
+        </p:spPr>
+        <p:txBody>
+          <a:bodyPr wrap="none" rtlCol="0">
+            <a:spAutoFit/>
+          </a:bodyPr>
+          <a:lstStyle/>
+          <a:p>
+            <a:r>
+              <a:rPr lang="de-DE" sz="1200" smtClean="0"/>
+              <a:t>1b2c3d</a:t>
+            </a:r>
+            <a:endParaRPr lang="de-DE" sz="1200"/>
+          </a:p>
+        </p:txBody>
+      </p:sp>
+      <p:cxnSp>
+        <p:nvCxnSpPr>
+          <p:cNvPr id="21" name="Gerade Verbindung mit Pfeil 20"/>
+          <p:cNvCxnSpPr>
+            <a:stCxn id="10" idx="0"/>
+          </p:cNvCxnSpPr>
+          <p:nvPr/>
+        </p:nvCxnSpPr>
+        <p:spPr>
+          <a:xfrm flipV="1">
+            <a:off x="307168" y="3621974"/>
+            <a:ext cx="3029798" cy="2612571"/>
+          </a:xfrm>
+          <a:prstGeom prst="straightConnector1">
+            <a:avLst/>
+          </a:prstGeom>
+          <a:ln>
+            <a:tailEnd type="triangle"/>
+          </a:ln>
+        </p:spPr>
+        <p:style>
+          <a:lnRef idx="1">
+            <a:schemeClr val="accent1"/>
+          </a:lnRef>
+          <a:fillRef idx="0">
+            <a:schemeClr val="accent1"/>
+          </a:fillRef>
+          <a:effectRef idx="0">
+            <a:schemeClr val="accent1"/>
+          </a:effectRef>
+          <a:fontRef idx="minor">
+            <a:schemeClr val="tx1"/>
+          </a:fontRef>
+        </p:style>
+      </p:cxnSp>
+    </p:spTree>
+    <p:extLst>
+      <p:ext uri="{BB962C8B-B14F-4D97-AF65-F5344CB8AC3E}">
+        <p14:creationId xmlns:p14="http://schemas.microsoft.com/office/powerpoint/2010/main" val="489015745"/>
       </p:ext>
     </p:extLst>
   </p:cSld>
